--- a/Switching techniques.pptx
+++ b/Switching techniques.pptx
@@ -5,19 +5,23 @@
     <p:sldMasterId id="2147483650" r:id="rId4"/>
   </p:sldMasterIdLst>
   <p:notesMasterIdLst>
-    <p:notesMasterId r:id="rId12"/>
+    <p:notesMasterId r:id="rId16"/>
   </p:notesMasterIdLst>
   <p:handoutMasterIdLst>
-    <p:handoutMasterId r:id="rId13"/>
+    <p:handoutMasterId r:id="rId17"/>
   </p:handoutMasterIdLst>
   <p:sldIdLst>
     <p:sldId id="312" r:id="rId5"/>
-    <p:sldId id="304" r:id="rId6"/>
-    <p:sldId id="282" r:id="rId7"/>
-    <p:sldId id="315" r:id="rId8"/>
-    <p:sldId id="317" r:id="rId9"/>
-    <p:sldId id="318" r:id="rId10"/>
-    <p:sldId id="297" r:id="rId11"/>
+    <p:sldId id="319" r:id="rId6"/>
+    <p:sldId id="304" r:id="rId7"/>
+    <p:sldId id="282" r:id="rId8"/>
+    <p:sldId id="320" r:id="rId9"/>
+    <p:sldId id="315" r:id="rId10"/>
+    <p:sldId id="321" r:id="rId11"/>
+    <p:sldId id="317" r:id="rId12"/>
+    <p:sldId id="322" r:id="rId13"/>
+    <p:sldId id="318" r:id="rId14"/>
+    <p:sldId id="297" r:id="rId15"/>
   </p:sldIdLst>
   <p:sldSz cx="12192000" cy="6858000"/>
   <p:notesSz cx="13716000" cy="24384000"/>
@@ -222,6 +226,222 @@
 <p188:authorLst xmlns:a="http://schemas.openxmlformats.org/drawingml/2006/main" xmlns:r="http://schemas.openxmlformats.org/officeDocument/2006/relationships" xmlns:p188="http://schemas.microsoft.com/office/powerpoint/2018/8/main">
   <p188:author id="{00000000-0000-0000-0000-000000000000}" name="Author" initials="A" userId="Author" providerId="AD"/>
 </p188:authorLst>
+</file>
+
+<file path=ppt/revisionInfo.xml><?xml version="1.0" encoding="utf-8"?>
+<p1510:revInfo xmlns:a="http://schemas.openxmlformats.org/drawingml/2006/main" xmlns:r="http://schemas.openxmlformats.org/officeDocument/2006/relationships" xmlns:p1510="http://schemas.microsoft.com/office/powerpoint/2015/10/main">
+  <p1510:revLst>
+    <p1510:client id="{DDCEA01B-53EE-4681-990A-468FD05F0395}" v="49" dt="2024-08-26T16:31:53.757"/>
+  </p1510:revLst>
+</p1510:revInfo>
+</file>
+
+<file path=ppt/changesInfos/changesInfo1.xml><?xml version="1.0" encoding="utf-8"?>
+<pc:chgInfo xmlns:a="http://schemas.openxmlformats.org/drawingml/2006/main" xmlns:r="http://schemas.openxmlformats.org/officeDocument/2006/relationships" xmlns:ac="http://schemas.microsoft.com/office/drawing/2013/main/command" xmlns:pc="http://schemas.microsoft.com/office/powerpoint/2013/main/command">
+  <pc:docChgLst>
+    <pc:chgData name="Rejilin Deepa" userId="15cc343773652ad4" providerId="LiveId" clId="{DDCEA01B-53EE-4681-990A-468FD05F0395}"/>
+    <pc:docChg chg="undo redo custSel addSld delSld modSld sldOrd">
+      <pc:chgData name="Rejilin Deepa" userId="15cc343773652ad4" providerId="LiveId" clId="{DDCEA01B-53EE-4681-990A-468FD05F0395}" dt="2024-08-26T16:31:53.755" v="188" actId="1076"/>
+      <pc:docMkLst>
+        <pc:docMk/>
+      </pc:docMkLst>
+      <pc:sldChg chg="addSp delSp modSp">
+        <pc:chgData name="Rejilin Deepa" userId="15cc343773652ad4" providerId="LiveId" clId="{DDCEA01B-53EE-4681-990A-468FD05F0395}" dt="2024-08-26T16:10:55.854" v="1" actId="21"/>
+        <pc:sldMkLst>
+          <pc:docMk/>
+          <pc:sldMk cId="3913219759" sldId="304"/>
+        </pc:sldMkLst>
+        <pc:picChg chg="add del mod">
+          <ac:chgData name="Rejilin Deepa" userId="15cc343773652ad4" providerId="LiveId" clId="{DDCEA01B-53EE-4681-990A-468FD05F0395}" dt="2024-08-26T16:10:55.854" v="1" actId="21"/>
+          <ac:picMkLst>
+            <pc:docMk/>
+            <pc:sldMk cId="3913219759" sldId="304"/>
+            <ac:picMk id="1026" creationId="{3BC534A2-97B3-234E-1F27-073099E24439}"/>
+          </ac:picMkLst>
+        </pc:picChg>
+      </pc:sldChg>
+      <pc:sldChg chg="addSp delSp modSp new mod ord">
+        <pc:chgData name="Rejilin Deepa" userId="15cc343773652ad4" providerId="LiveId" clId="{DDCEA01B-53EE-4681-990A-468FD05F0395}" dt="2024-08-26T16:15:53.468" v="145"/>
+        <pc:sldMkLst>
+          <pc:docMk/>
+          <pc:sldMk cId="2370005921" sldId="319"/>
+        </pc:sldMkLst>
+        <pc:spChg chg="add del">
+          <ac:chgData name="Rejilin Deepa" userId="15cc343773652ad4" providerId="LiveId" clId="{DDCEA01B-53EE-4681-990A-468FD05F0395}" dt="2024-08-26T16:12:40.002" v="22" actId="478"/>
+          <ac:spMkLst>
+            <pc:docMk/>
+            <pc:sldMk cId="2370005921" sldId="319"/>
+            <ac:spMk id="2" creationId="{E6A0DD6B-AF01-A0DD-24DE-635FA917931A}"/>
+          </ac:spMkLst>
+        </pc:spChg>
+        <pc:spChg chg="add del">
+          <ac:chgData name="Rejilin Deepa" userId="15cc343773652ad4" providerId="LiveId" clId="{DDCEA01B-53EE-4681-990A-468FD05F0395}" dt="2024-08-26T16:12:40.352" v="23" actId="478"/>
+          <ac:spMkLst>
+            <pc:docMk/>
+            <pc:sldMk cId="2370005921" sldId="319"/>
+            <ac:spMk id="3" creationId="{E993CA9A-A24C-414C-A9A2-11689E1B2930}"/>
+          </ac:spMkLst>
+        </pc:spChg>
+        <pc:spChg chg="add del">
+          <ac:chgData name="Rejilin Deepa" userId="15cc343773652ad4" providerId="LiveId" clId="{DDCEA01B-53EE-4681-990A-468FD05F0395}" dt="2024-08-26T16:11:18.653" v="4" actId="478"/>
+          <ac:spMkLst>
+            <pc:docMk/>
+            <pc:sldMk cId="2370005921" sldId="319"/>
+            <ac:spMk id="4" creationId="{6A8B7265-16A1-2297-7593-3CD778B2389C}"/>
+          </ac:spMkLst>
+        </pc:spChg>
+        <pc:spChg chg="add mod">
+          <ac:chgData name="Rejilin Deepa" userId="15cc343773652ad4" providerId="LiveId" clId="{DDCEA01B-53EE-4681-990A-468FD05F0395}" dt="2024-08-26T16:15:41.212" v="143" actId="14100"/>
+          <ac:spMkLst>
+            <pc:docMk/>
+            <pc:sldMk cId="2370005921" sldId="319"/>
+            <ac:spMk id="6" creationId="{2BCEBB96-B79F-7483-404F-47A2BF1DE17F}"/>
+          </ac:spMkLst>
+        </pc:spChg>
+        <pc:picChg chg="add mod">
+          <ac:chgData name="Rejilin Deepa" userId="15cc343773652ad4" providerId="LiveId" clId="{DDCEA01B-53EE-4681-990A-468FD05F0395}" dt="2024-08-26T16:12:37.374" v="19" actId="14100"/>
+          <ac:picMkLst>
+            <pc:docMk/>
+            <pc:sldMk cId="2370005921" sldId="319"/>
+            <ac:picMk id="1026" creationId="{3BC534A2-97B3-234E-1F27-073099E24439}"/>
+          </ac:picMkLst>
+        </pc:picChg>
+        <pc:picChg chg="add mod">
+          <ac:chgData name="Rejilin Deepa" userId="15cc343773652ad4" providerId="LiveId" clId="{DDCEA01B-53EE-4681-990A-468FD05F0395}" dt="2024-08-26T16:13:15.524" v="26" actId="14100"/>
+          <ac:picMkLst>
+            <pc:docMk/>
+            <pc:sldMk cId="2370005921" sldId="319"/>
+            <ac:picMk id="2050" creationId="{299EDB4A-CB8C-6F53-EAC0-CE114857573C}"/>
+          </ac:picMkLst>
+        </pc:picChg>
+      </pc:sldChg>
+      <pc:sldChg chg="addSp delSp modSp new mod">
+        <pc:chgData name="Rejilin Deepa" userId="15cc343773652ad4" providerId="LiveId" clId="{DDCEA01B-53EE-4681-990A-468FD05F0395}" dt="2024-08-26T16:19:17.653" v="165" actId="14100"/>
+        <pc:sldMkLst>
+          <pc:docMk/>
+          <pc:sldMk cId="3427014436" sldId="320"/>
+        </pc:sldMkLst>
+        <pc:spChg chg="del">
+          <ac:chgData name="Rejilin Deepa" userId="15cc343773652ad4" providerId="LiveId" clId="{DDCEA01B-53EE-4681-990A-468FD05F0395}" dt="2024-08-26T16:17:57.531" v="147" actId="478"/>
+          <ac:spMkLst>
+            <pc:docMk/>
+            <pc:sldMk cId="3427014436" sldId="320"/>
+            <ac:spMk id="2" creationId="{0CF5F212-C30E-F82E-8C9B-BFEBA298C097}"/>
+          </ac:spMkLst>
+        </pc:spChg>
+        <pc:spChg chg="del">
+          <ac:chgData name="Rejilin Deepa" userId="15cc343773652ad4" providerId="LiveId" clId="{DDCEA01B-53EE-4681-990A-468FD05F0395}" dt="2024-08-26T16:18:00.094" v="148" actId="478"/>
+          <ac:spMkLst>
+            <pc:docMk/>
+            <pc:sldMk cId="3427014436" sldId="320"/>
+            <ac:spMk id="3" creationId="{F555BBB4-85AE-EF9D-5376-DDED37BDCFF0}"/>
+          </ac:spMkLst>
+        </pc:spChg>
+        <pc:picChg chg="add mod">
+          <ac:chgData name="Rejilin Deepa" userId="15cc343773652ad4" providerId="LiveId" clId="{DDCEA01B-53EE-4681-990A-468FD05F0395}" dt="2024-08-26T16:19:17.653" v="165" actId="14100"/>
+          <ac:picMkLst>
+            <pc:docMk/>
+            <pc:sldMk cId="3427014436" sldId="320"/>
+            <ac:picMk id="3074" creationId="{F798207E-FB88-FBA4-F4B8-1D3747B9F6DB}"/>
+          </ac:picMkLst>
+        </pc:picChg>
+      </pc:sldChg>
+      <pc:sldChg chg="addSp delSp modSp new mod">
+        <pc:chgData name="Rejilin Deepa" userId="15cc343773652ad4" providerId="LiveId" clId="{DDCEA01B-53EE-4681-990A-468FD05F0395}" dt="2024-08-26T16:26:16.150" v="175" actId="14100"/>
+        <pc:sldMkLst>
+          <pc:docMk/>
+          <pc:sldMk cId="3036111125" sldId="321"/>
+        </pc:sldMkLst>
+        <pc:spChg chg="del">
+          <ac:chgData name="Rejilin Deepa" userId="15cc343773652ad4" providerId="LiveId" clId="{DDCEA01B-53EE-4681-990A-468FD05F0395}" dt="2024-08-26T16:25:56.163" v="168" actId="478"/>
+          <ac:spMkLst>
+            <pc:docMk/>
+            <pc:sldMk cId="3036111125" sldId="321"/>
+            <ac:spMk id="2" creationId="{F4EE96BC-D995-60BA-41FC-E8EDA58C8044}"/>
+          </ac:spMkLst>
+        </pc:spChg>
+        <pc:spChg chg="del">
+          <ac:chgData name="Rejilin Deepa" userId="15cc343773652ad4" providerId="LiveId" clId="{DDCEA01B-53EE-4681-990A-468FD05F0395}" dt="2024-08-26T16:25:59.152" v="169" actId="478"/>
+          <ac:spMkLst>
+            <pc:docMk/>
+            <pc:sldMk cId="3036111125" sldId="321"/>
+            <ac:spMk id="4" creationId="{783240AC-6483-CFB7-08A9-41D9C64FEF56}"/>
+          </ac:spMkLst>
+        </pc:spChg>
+        <pc:spChg chg="del">
+          <ac:chgData name="Rejilin Deepa" userId="15cc343773652ad4" providerId="LiveId" clId="{DDCEA01B-53EE-4681-990A-468FD05F0395}" dt="2024-08-26T16:25:51.734" v="167" actId="478"/>
+          <ac:spMkLst>
+            <pc:docMk/>
+            <pc:sldMk cId="3036111125" sldId="321"/>
+            <ac:spMk id="5" creationId="{AD7ED7E2-85AB-3EAE-04CC-EE19AAF03915}"/>
+          </ac:spMkLst>
+        </pc:spChg>
+        <pc:picChg chg="add mod">
+          <ac:chgData name="Rejilin Deepa" userId="15cc343773652ad4" providerId="LiveId" clId="{DDCEA01B-53EE-4681-990A-468FD05F0395}" dt="2024-08-26T16:26:16.150" v="175" actId="14100"/>
+          <ac:picMkLst>
+            <pc:docMk/>
+            <pc:sldMk cId="3036111125" sldId="321"/>
+            <ac:picMk id="4098" creationId="{3191B76D-8078-C2E2-96C1-CEFD6BC8A21C}"/>
+          </ac:picMkLst>
+        </pc:picChg>
+      </pc:sldChg>
+      <pc:sldChg chg="addSp delSp modSp new mod">
+        <pc:chgData name="Rejilin Deepa" userId="15cc343773652ad4" providerId="LiveId" clId="{DDCEA01B-53EE-4681-990A-468FD05F0395}" dt="2024-08-26T16:31:53.755" v="188" actId="1076"/>
+        <pc:sldMkLst>
+          <pc:docMk/>
+          <pc:sldMk cId="2292928126" sldId="322"/>
+        </pc:sldMkLst>
+        <pc:spChg chg="del">
+          <ac:chgData name="Rejilin Deepa" userId="15cc343773652ad4" providerId="LiveId" clId="{DDCEA01B-53EE-4681-990A-468FD05F0395}" dt="2024-08-26T16:31:31.380" v="182" actId="478"/>
+          <ac:spMkLst>
+            <pc:docMk/>
+            <pc:sldMk cId="2292928126" sldId="322"/>
+            <ac:spMk id="2" creationId="{C6E957C7-C38A-8CC6-748A-AE0C60C5A8D3}"/>
+          </ac:spMkLst>
+        </pc:spChg>
+        <pc:spChg chg="del">
+          <ac:chgData name="Rejilin Deepa" userId="15cc343773652ad4" providerId="LiveId" clId="{DDCEA01B-53EE-4681-990A-468FD05F0395}" dt="2024-08-26T16:31:36.135" v="184" actId="478"/>
+          <ac:spMkLst>
+            <pc:docMk/>
+            <pc:sldMk cId="2292928126" sldId="322"/>
+            <ac:spMk id="3" creationId="{924D8DD3-44CA-FFE0-F92D-11112E59673C}"/>
+          </ac:spMkLst>
+        </pc:spChg>
+        <pc:spChg chg="del">
+          <ac:chgData name="Rejilin Deepa" userId="15cc343773652ad4" providerId="LiveId" clId="{DDCEA01B-53EE-4681-990A-468FD05F0395}" dt="2024-08-26T16:31:33.946" v="183" actId="478"/>
+          <ac:spMkLst>
+            <pc:docMk/>
+            <pc:sldMk cId="2292928126" sldId="322"/>
+            <ac:spMk id="4" creationId="{4E45A918-602B-ECB8-0013-4C9E2FE51B0F}"/>
+          </ac:spMkLst>
+        </pc:spChg>
+        <pc:spChg chg="add del">
+          <ac:chgData name="Rejilin Deepa" userId="15cc343773652ad4" providerId="LiveId" clId="{DDCEA01B-53EE-4681-990A-468FD05F0395}" dt="2024-08-26T16:31:28.457" v="181" actId="478"/>
+          <ac:spMkLst>
+            <pc:docMk/>
+            <pc:sldMk cId="2292928126" sldId="322"/>
+            <ac:spMk id="5" creationId="{2D07C66F-D66E-AE2D-E82A-C7337B2891EE}"/>
+          </ac:spMkLst>
+        </pc:spChg>
+        <pc:picChg chg="add mod">
+          <ac:chgData name="Rejilin Deepa" userId="15cc343773652ad4" providerId="LiveId" clId="{DDCEA01B-53EE-4681-990A-468FD05F0395}" dt="2024-08-26T16:31:53.755" v="188" actId="1076"/>
+          <ac:picMkLst>
+            <pc:docMk/>
+            <pc:sldMk cId="2292928126" sldId="322"/>
+            <ac:picMk id="5122" creationId="{C419C60D-2951-CD99-A616-64A52B92E784}"/>
+          </ac:picMkLst>
+        </pc:picChg>
+      </pc:sldChg>
+      <pc:sldChg chg="new del">
+        <pc:chgData name="Rejilin Deepa" userId="15cc343773652ad4" providerId="LiveId" clId="{DDCEA01B-53EE-4681-990A-468FD05F0395}" dt="2024-08-26T16:31:21.609" v="177" actId="680"/>
+        <pc:sldMkLst>
+          <pc:docMk/>
+          <pc:sldMk cId="2687077524" sldId="322"/>
+        </pc:sldMkLst>
+      </pc:sldChg>
+    </pc:docChg>
+  </pc:docChgLst>
+</pc:chgInfo>
 </file>
 
 <file path=ppt/handoutMasters/handoutMaster1.xml><?xml version="1.0" encoding="utf-8"?>
@@ -17346,795 +17566,7 @@
 </p:sld>
 </file>
 
-<file path=ppt/slides/slide2.xml><?xml version="1.0" encoding="utf-8"?>
-<p:sld xmlns:a="http://schemas.openxmlformats.org/drawingml/2006/main" xmlns:r="http://schemas.openxmlformats.org/officeDocument/2006/relationships" xmlns:p="http://schemas.openxmlformats.org/presentationml/2006/main">
-  <p:cSld>
-    <p:spTree>
-      <p:nvGrpSpPr>
-        <p:cNvPr id="1" name=""/>
-        <p:cNvGrpSpPr/>
-        <p:nvPr/>
-      </p:nvGrpSpPr>
-      <p:grpSpPr>
-        <a:xfrm>
-          <a:off x="0" y="0"/>
-          <a:ext cx="0" cy="0"/>
-          <a:chOff x="0" y="0"/>
-          <a:chExt cx="0" cy="0"/>
-        </a:xfrm>
-      </p:grpSpPr>
-      <p:sp>
-        <p:nvSpPr>
-          <p:cNvPr id="2" name="Title 1">
-            <a:extLst>
-              <a:ext uri="{FF2B5EF4-FFF2-40B4-BE49-F238E27FC236}">
-                <a16:creationId xmlns:a16="http://schemas.microsoft.com/office/drawing/2014/main" id="{13021072-4A77-DB4D-DF41-58EADB7DA94E}"/>
-              </a:ext>
-            </a:extLst>
-          </p:cNvPr>
-          <p:cNvSpPr>
-            <a:spLocks noGrp="1"/>
-          </p:cNvSpPr>
-          <p:nvPr>
-            <p:ph type="title"/>
-          </p:nvPr>
-        </p:nvSpPr>
-        <p:spPr>
-          <a:xfrm>
-            <a:off x="914400" y="457199"/>
-            <a:ext cx="6583680" cy="1531357"/>
-          </a:xfrm>
-        </p:spPr>
-        <p:txBody>
-          <a:bodyPr/>
-          <a:lstStyle/>
-          <a:p>
-            <a:r>
-              <a:rPr lang="en-US" dirty="0"/>
-              <a:t>Switching</a:t>
-            </a:r>
-          </a:p>
-        </p:txBody>
-      </p:sp>
-      <p:sp>
-        <p:nvSpPr>
-          <p:cNvPr id="3" name="Content Placeholder 2">
-            <a:extLst>
-              <a:ext uri="{FF2B5EF4-FFF2-40B4-BE49-F238E27FC236}">
-                <a16:creationId xmlns:a16="http://schemas.microsoft.com/office/drawing/2014/main" id="{D4D22962-3C7F-E480-5C35-7F4860A098E1}"/>
-              </a:ext>
-            </a:extLst>
-          </p:cNvPr>
-          <p:cNvSpPr>
-            <a:spLocks noGrp="1"/>
-          </p:cNvSpPr>
-          <p:nvPr>
-            <p:ph idx="1"/>
-          </p:nvPr>
-        </p:nvSpPr>
-        <p:spPr>
-          <a:xfrm>
-            <a:off x="424543" y="2188029"/>
-            <a:ext cx="7628709" cy="3560040"/>
-          </a:xfrm>
-        </p:spPr>
-        <p:txBody>
-          <a:bodyPr>
-            <a:normAutofit fontScale="92500" lnSpcReduction="20000"/>
-          </a:bodyPr>
-          <a:lstStyle/>
-          <a:p>
-            <a:r>
-              <a:rPr lang="en-US" dirty="0"/>
-              <a:t>	It’s the process of transfer of data between two different computers or two different networks.</a:t>
-            </a:r>
-          </a:p>
-          <a:p>
-            <a:endParaRPr lang="en-US" dirty="0"/>
-          </a:p>
-          <a:p>
-            <a:r>
-              <a:rPr lang="en-US" dirty="0"/>
-              <a:t>      Types of switching:</a:t>
-            </a:r>
-          </a:p>
-          <a:p>
-            <a:endParaRPr lang="en-US" dirty="0"/>
-          </a:p>
-          <a:p>
-            <a:r>
-              <a:rPr lang="en-US" dirty="0"/>
-              <a:t>	Circuit Switching</a:t>
-            </a:r>
-          </a:p>
-          <a:p>
-            <a:r>
-              <a:rPr lang="en-US" dirty="0"/>
-              <a:t>	Message Switching</a:t>
-            </a:r>
-          </a:p>
-          <a:p>
-            <a:r>
-              <a:rPr lang="en-US" dirty="0"/>
-              <a:t>	Packet Switching</a:t>
-            </a:r>
-          </a:p>
-        </p:txBody>
-      </p:sp>
-      <p:sp>
-        <p:nvSpPr>
-          <p:cNvPr id="4" name="Slide Number Placeholder 3">
-            <a:extLst>
-              <a:ext uri="{FF2B5EF4-FFF2-40B4-BE49-F238E27FC236}">
-                <a16:creationId xmlns:a16="http://schemas.microsoft.com/office/drawing/2014/main" id="{18D5CFA2-4E67-F157-5FFD-A246307D41F7}"/>
-              </a:ext>
-            </a:extLst>
-          </p:cNvPr>
-          <p:cNvSpPr>
-            <a:spLocks noGrp="1"/>
-          </p:cNvSpPr>
-          <p:nvPr>
-            <p:ph type="sldNum" sz="quarter" idx="10"/>
-          </p:nvPr>
-        </p:nvSpPr>
-        <p:spPr>
-          <a:xfrm>
-            <a:off x="10358437" y="457199"/>
-            <a:ext cx="1067589" cy="471489"/>
-          </a:xfrm>
-        </p:spPr>
-        <p:txBody>
-          <a:bodyPr/>
-          <a:lstStyle/>
-          <a:p>
-            <a:fld id="{48F63A3B-78C7-47BE-AE5E-E10140E04643}" type="slidenum">
-              <a:rPr lang="en-US" smtClean="0"/>
-              <a:pPr/>
-              <a:t>2</a:t>
-            </a:fld>
-            <a:endParaRPr lang="en-US" dirty="0"/>
-          </a:p>
-        </p:txBody>
-      </p:sp>
-    </p:spTree>
-    <p:extLst>
-      <p:ext uri="{BB962C8B-B14F-4D97-AF65-F5344CB8AC3E}">
-        <p14:creationId xmlns:p14="http://schemas.microsoft.com/office/powerpoint/2010/main" val="3913219759"/>
-      </p:ext>
-    </p:extLst>
-  </p:cSld>
-  <p:clrMapOvr>
-    <a:masterClrMapping/>
-  </p:clrMapOvr>
-</p:sld>
-</file>
-
-<file path=ppt/slides/slide3.xml><?xml version="1.0" encoding="utf-8"?>
-<p:sld xmlns:a="http://schemas.openxmlformats.org/drawingml/2006/main" xmlns:r="http://schemas.openxmlformats.org/officeDocument/2006/relationships" xmlns:p="http://schemas.openxmlformats.org/presentationml/2006/main">
-  <p:cSld>
-    <p:spTree>
-      <p:nvGrpSpPr>
-        <p:cNvPr id="1" name=""/>
-        <p:cNvGrpSpPr/>
-        <p:nvPr/>
-      </p:nvGrpSpPr>
-      <p:grpSpPr>
-        <a:xfrm>
-          <a:off x="0" y="0"/>
-          <a:ext cx="0" cy="0"/>
-          <a:chOff x="0" y="0"/>
-          <a:chExt cx="0" cy="0"/>
-        </a:xfrm>
-      </p:grpSpPr>
-      <p:sp>
-        <p:nvSpPr>
-          <p:cNvPr id="2" name="Title 1">
-            <a:extLst>
-              <a:ext uri="{FF2B5EF4-FFF2-40B4-BE49-F238E27FC236}">
-                <a16:creationId xmlns:a16="http://schemas.microsoft.com/office/drawing/2014/main" id="{FD5E8954-9BCB-7FD9-A210-38DC54382D45}"/>
-              </a:ext>
-            </a:extLst>
-          </p:cNvPr>
-          <p:cNvSpPr>
-            <a:spLocks noGrp="1"/>
-          </p:cNvSpPr>
-          <p:nvPr>
-            <p:ph type="title"/>
-          </p:nvPr>
-        </p:nvSpPr>
-        <p:spPr>
-          <a:xfrm>
-            <a:off x="3351708" y="427944"/>
-            <a:ext cx="7965461" cy="994164"/>
-          </a:xfrm>
-        </p:spPr>
-        <p:txBody>
-          <a:bodyPr/>
-          <a:lstStyle/>
-          <a:p>
-            <a:r>
-              <a:rPr lang="en-US" dirty="0"/>
-              <a:t>Circuit Switching</a:t>
-            </a:r>
-          </a:p>
-        </p:txBody>
-      </p:sp>
-      <p:sp>
-        <p:nvSpPr>
-          <p:cNvPr id="3" name="Content Placeholder 2">
-            <a:extLst>
-              <a:ext uri="{FF2B5EF4-FFF2-40B4-BE49-F238E27FC236}">
-                <a16:creationId xmlns:a16="http://schemas.microsoft.com/office/drawing/2014/main" id="{75111C33-898C-4414-4665-5136EB6FC126}"/>
-              </a:ext>
-            </a:extLst>
-          </p:cNvPr>
-          <p:cNvSpPr>
-            <a:spLocks noGrp="1"/>
-          </p:cNvSpPr>
-          <p:nvPr>
-            <p:ph sz="half" idx="2"/>
-          </p:nvPr>
-        </p:nvSpPr>
-        <p:spPr>
-          <a:xfrm>
-            <a:off x="2786743" y="1654630"/>
-            <a:ext cx="8639282" cy="4985656"/>
-          </a:xfrm>
-        </p:spPr>
-        <p:txBody>
-          <a:bodyPr>
-            <a:normAutofit/>
-          </a:bodyPr>
-          <a:lstStyle/>
-          <a:p>
-            <a:pPr marL="0" indent="0">
-              <a:buNone/>
-            </a:pPr>
-            <a:r>
-              <a:rPr lang="en-US" dirty="0"/>
-              <a:t>Circuit switching is a method of communication where a dedicated communication path is established between two devices for the duration of the connection.</a:t>
-            </a:r>
-          </a:p>
-          <a:p>
-            <a:pPr marL="0" indent="0">
-              <a:buNone/>
-            </a:pPr>
-            <a:endParaRPr lang="en-US" dirty="0"/>
-          </a:p>
-          <a:p>
-            <a:pPr marL="0" indent="0">
-              <a:buNone/>
-            </a:pPr>
-            <a:r>
-              <a:rPr lang="en-US" b="1" dirty="0"/>
-              <a:t>Key Features:</a:t>
-            </a:r>
-            <a:endParaRPr lang="en-US" dirty="0"/>
-          </a:p>
-          <a:p>
-            <a:pPr>
-              <a:buFont typeface="Arial" panose="020B0604020202020204" pitchFamily="34" charset="0"/>
-              <a:buChar char="•"/>
-            </a:pPr>
-            <a:r>
-              <a:rPr lang="en-US" b="1" dirty="0"/>
-              <a:t>Dedicated Path:</a:t>
-            </a:r>
-            <a:r>
-              <a:rPr lang="en-US" dirty="0"/>
-              <a:t> A continuous, exclusive path is set up for the entire communication session.</a:t>
-            </a:r>
-          </a:p>
-          <a:p>
-            <a:pPr>
-              <a:buFont typeface="Arial" panose="020B0604020202020204" pitchFamily="34" charset="0"/>
-              <a:buChar char="•"/>
-            </a:pPr>
-            <a:r>
-              <a:rPr lang="en-US" b="1" dirty="0"/>
-              <a:t>Continuous Connection:</a:t>
-            </a:r>
-            <a:r>
-              <a:rPr lang="en-US" dirty="0"/>
-              <a:t> Once established, the connection remains open and active until the communication session ends.</a:t>
-            </a:r>
-          </a:p>
-          <a:p>
-            <a:pPr>
-              <a:buFont typeface="Arial" panose="020B0604020202020204" pitchFamily="34" charset="0"/>
-              <a:buChar char="•"/>
-            </a:pPr>
-            <a:r>
-              <a:rPr lang="en-US" b="1" dirty="0"/>
-              <a:t>Efficiency for Voice Applications:</a:t>
-            </a:r>
-            <a:r>
-              <a:rPr lang="en-US" dirty="0"/>
-              <a:t> Ideal for real-time voice communication like traditional telephone networks due to consistent and predictable data transfer.</a:t>
-            </a:r>
-          </a:p>
-          <a:p>
-            <a:pPr marL="0" indent="0">
-              <a:buNone/>
-            </a:pPr>
-            <a:r>
-              <a:rPr lang="en-US" b="1" dirty="0"/>
-              <a:t>Example:</a:t>
-            </a:r>
-            <a:endParaRPr lang="en-US" dirty="0"/>
-          </a:p>
-          <a:p>
-            <a:pPr>
-              <a:buFont typeface="Arial" panose="020B0604020202020204" pitchFamily="34" charset="0"/>
-              <a:buChar char="•"/>
-            </a:pPr>
-            <a:r>
-              <a:rPr lang="en-US" b="1" dirty="0"/>
-              <a:t>Traditional Telephone Networks:</a:t>
-            </a:r>
-            <a:r>
-              <a:rPr lang="en-US" dirty="0"/>
-              <a:t> When you make a phone call, a dedicated circuit is established between your phone and the receiver's phone, which remains open until the call ends.</a:t>
-            </a:r>
-          </a:p>
-          <a:p>
-            <a:pPr marL="0" indent="0">
-              <a:buNone/>
-            </a:pPr>
-            <a:endParaRPr lang="en-US" dirty="0"/>
-          </a:p>
-        </p:txBody>
-      </p:sp>
-      <p:sp>
-        <p:nvSpPr>
-          <p:cNvPr id="23" name="Slide Number Placeholder 22">
-            <a:extLst>
-              <a:ext uri="{FF2B5EF4-FFF2-40B4-BE49-F238E27FC236}">
-                <a16:creationId xmlns:a16="http://schemas.microsoft.com/office/drawing/2014/main" id="{94FF72B7-0438-3641-5939-75128934B0DF}"/>
-              </a:ext>
-            </a:extLst>
-          </p:cNvPr>
-          <p:cNvSpPr>
-            <a:spLocks noGrp="1"/>
-          </p:cNvSpPr>
-          <p:nvPr>
-            <p:ph type="sldNum" sz="quarter" idx="10"/>
-          </p:nvPr>
-        </p:nvSpPr>
-        <p:spPr>
-          <a:xfrm>
-            <a:off x="10358437" y="457199"/>
-            <a:ext cx="1067589" cy="471489"/>
-          </a:xfrm>
-        </p:spPr>
-        <p:txBody>
-          <a:bodyPr/>
-          <a:lstStyle/>
-          <a:p>
-            <a:fld id="{48F63A3B-78C7-47BE-AE5E-E10140E04643}" type="slidenum">
-              <a:rPr lang="en-US" smtClean="0"/>
-              <a:pPr/>
-              <a:t>3</a:t>
-            </a:fld>
-            <a:endParaRPr lang="en-US" dirty="0"/>
-          </a:p>
-        </p:txBody>
-      </p:sp>
-    </p:spTree>
-    <p:extLst>
-      <p:ext uri="{BB962C8B-B14F-4D97-AF65-F5344CB8AC3E}">
-        <p14:creationId xmlns:p14="http://schemas.microsoft.com/office/powerpoint/2010/main" val="685681062"/>
-      </p:ext>
-    </p:extLst>
-  </p:cSld>
-  <p:clrMapOvr>
-    <a:masterClrMapping/>
-  </p:clrMapOvr>
-</p:sld>
-</file>
-
-<file path=ppt/slides/slide4.xml><?xml version="1.0" encoding="utf-8"?>
-<p:sld xmlns:a="http://schemas.openxmlformats.org/drawingml/2006/main" xmlns:r="http://schemas.openxmlformats.org/officeDocument/2006/relationships" xmlns:p="http://schemas.openxmlformats.org/presentationml/2006/main">
-  <p:cSld>
-    <p:spTree>
-      <p:nvGrpSpPr>
-        <p:cNvPr id="1" name=""/>
-        <p:cNvGrpSpPr/>
-        <p:nvPr/>
-      </p:nvGrpSpPr>
-      <p:grpSpPr>
-        <a:xfrm>
-          <a:off x="0" y="0"/>
-          <a:ext cx="0" cy="0"/>
-          <a:chOff x="0" y="0"/>
-          <a:chExt cx="0" cy="0"/>
-        </a:xfrm>
-      </p:grpSpPr>
-      <p:sp>
-        <p:nvSpPr>
-          <p:cNvPr id="2" name="Title 1">
-            <a:extLst>
-              <a:ext uri="{FF2B5EF4-FFF2-40B4-BE49-F238E27FC236}">
-                <a16:creationId xmlns:a16="http://schemas.microsoft.com/office/drawing/2014/main" id="{B28A34A6-22BC-27A4-2C79-EE98A4943B14}"/>
-              </a:ext>
-            </a:extLst>
-          </p:cNvPr>
-          <p:cNvSpPr>
-            <a:spLocks noGrp="1"/>
-          </p:cNvSpPr>
-          <p:nvPr>
-            <p:ph type="title"/>
-          </p:nvPr>
-        </p:nvSpPr>
-        <p:spPr>
-          <a:xfrm>
-            <a:off x="883927" y="317495"/>
-            <a:ext cx="7796464" cy="1222385"/>
-          </a:xfrm>
-        </p:spPr>
-        <p:txBody>
-          <a:bodyPr/>
-          <a:lstStyle/>
-          <a:p>
-            <a:r>
-              <a:rPr lang="en-US" dirty="0"/>
-              <a:t>Message switching</a:t>
-            </a:r>
-          </a:p>
-        </p:txBody>
-      </p:sp>
-      <p:sp>
-        <p:nvSpPr>
-          <p:cNvPr id="3" name="Slide Number Placeholder 2">
-            <a:extLst>
-              <a:ext uri="{FF2B5EF4-FFF2-40B4-BE49-F238E27FC236}">
-                <a16:creationId xmlns:a16="http://schemas.microsoft.com/office/drawing/2014/main" id="{7267C004-8B72-C872-98FB-00A2A584D055}"/>
-              </a:ext>
-            </a:extLst>
-          </p:cNvPr>
-          <p:cNvSpPr>
-            <a:spLocks noGrp="1"/>
-          </p:cNvSpPr>
-          <p:nvPr>
-            <p:ph type="sldNum" sz="quarter" idx="10"/>
-          </p:nvPr>
-        </p:nvSpPr>
-        <p:spPr>
-          <a:xfrm>
-            <a:off x="10438475" y="457199"/>
-            <a:ext cx="987552" cy="471489"/>
-          </a:xfrm>
-        </p:spPr>
-        <p:txBody>
-          <a:bodyPr/>
-          <a:lstStyle/>
-          <a:p>
-            <a:fld id="{48F63A3B-78C7-47BE-AE5E-E10140E04643}" type="slidenum">
-              <a:rPr lang="en-US" smtClean="0"/>
-              <a:pPr/>
-              <a:t>4</a:t>
-            </a:fld>
-            <a:endParaRPr lang="en-US" dirty="0"/>
-          </a:p>
-        </p:txBody>
-      </p:sp>
-      <p:sp>
-        <p:nvSpPr>
-          <p:cNvPr id="16" name="Content Placeholder 4">
-            <a:extLst>
-              <a:ext uri="{FF2B5EF4-FFF2-40B4-BE49-F238E27FC236}">
-                <a16:creationId xmlns:a16="http://schemas.microsoft.com/office/drawing/2014/main" id="{AEF9954A-E263-8A7E-58B1-4D03F7D1BD9B}"/>
-              </a:ext>
-            </a:extLst>
-          </p:cNvPr>
-          <p:cNvSpPr>
-            <a:spLocks noGrp="1"/>
-          </p:cNvSpPr>
-          <p:nvPr>
-            <p:ph sz="half" idx="2"/>
-          </p:nvPr>
-        </p:nvSpPr>
-        <p:spPr>
-          <a:xfrm>
-            <a:off x="914400" y="1861458"/>
-            <a:ext cx="7765991" cy="4161908"/>
-          </a:xfrm>
-        </p:spPr>
-        <p:txBody>
-          <a:bodyPr>
-            <a:normAutofit fontScale="92500" lnSpcReduction="10000"/>
-          </a:bodyPr>
-          <a:lstStyle/>
-          <a:p>
-            <a:r>
-              <a:rPr lang="en-US" dirty="0"/>
-              <a:t>Message switching involves the transfer of complete messages from one device to another using a store-and-forward mechanism, without the need for a dedicated path.</a:t>
-            </a:r>
-          </a:p>
-          <a:p>
-            <a:r>
-              <a:rPr lang="en-US" b="1" dirty="0"/>
-              <a:t>Key Features:</a:t>
-            </a:r>
-            <a:endParaRPr lang="en-US" dirty="0"/>
-          </a:p>
-          <a:p>
-            <a:pPr marL="742950" lvl="1" indent="-285750">
-              <a:buFont typeface="Arial" panose="020B0604020202020204" pitchFamily="34" charset="0"/>
-              <a:buChar char="•"/>
-            </a:pPr>
-            <a:r>
-              <a:rPr lang="en-US" b="1" dirty="0"/>
-              <a:t>No Direct Connection:</a:t>
-            </a:r>
-            <a:r>
-              <a:rPr lang="en-US" dirty="0"/>
-              <a:t> There is no direct connection between the sender and receiver. Each message is routed independently.</a:t>
-            </a:r>
-          </a:p>
-          <a:p>
-            <a:pPr marL="742950" lvl="1" indent="-285750">
-              <a:buFont typeface="Arial" panose="020B0604020202020204" pitchFamily="34" charset="0"/>
-              <a:buChar char="•"/>
-            </a:pPr>
-            <a:r>
-              <a:rPr lang="en-US" b="1" dirty="0"/>
-              <a:t>Whole Message Delivery:</a:t>
-            </a:r>
-            <a:r>
-              <a:rPr lang="en-US" dirty="0"/>
-              <a:t> The entire message is stored at intermediate nodes before being forwarded to the next node.</a:t>
-            </a:r>
-          </a:p>
-          <a:p>
-            <a:pPr marL="742950" lvl="1" indent="-285750">
-              <a:buFont typeface="Arial" panose="020B0604020202020204" pitchFamily="34" charset="0"/>
-              <a:buChar char="•"/>
-            </a:pPr>
-            <a:r>
-              <a:rPr lang="en-US" b="1" dirty="0"/>
-              <a:t>Suitability for Email:</a:t>
-            </a:r>
-            <a:r>
-              <a:rPr lang="en-US" dirty="0"/>
-              <a:t> Well-suited for applications where timing is not critical, like email and file transfers.</a:t>
-            </a:r>
-          </a:p>
-          <a:p>
-            <a:r>
-              <a:rPr lang="en-US" b="1" dirty="0"/>
-              <a:t>Example:</a:t>
-            </a:r>
-            <a:endParaRPr lang="en-US" dirty="0"/>
-          </a:p>
-          <a:p>
-            <a:pPr marL="742950" lvl="1" indent="-285750">
-              <a:buFont typeface="Arial" panose="020B0604020202020204" pitchFamily="34" charset="0"/>
-              <a:buChar char="•"/>
-            </a:pPr>
-            <a:r>
-              <a:rPr lang="en-US" b="1" dirty="0"/>
-              <a:t>Email Transmission:</a:t>
-            </a:r>
-            <a:r>
-              <a:rPr lang="en-US" dirty="0"/>
-              <a:t> An email message is sent from the sender to an email server, stored temporarily, and then forwarded to the recipient’s email server before being delivered.</a:t>
-            </a:r>
-          </a:p>
-        </p:txBody>
-      </p:sp>
-    </p:spTree>
-    <p:extLst>
-      <p:ext uri="{BB962C8B-B14F-4D97-AF65-F5344CB8AC3E}">
-        <p14:creationId xmlns:p14="http://schemas.microsoft.com/office/powerpoint/2010/main" val="2468595790"/>
-      </p:ext>
-    </p:extLst>
-  </p:cSld>
-  <p:clrMapOvr>
-    <a:masterClrMapping/>
-  </p:clrMapOvr>
-</p:sld>
-</file>
-
-<file path=ppt/slides/slide5.xml><?xml version="1.0" encoding="utf-8"?>
-<p:sld xmlns:a="http://schemas.openxmlformats.org/drawingml/2006/main" xmlns:r="http://schemas.openxmlformats.org/officeDocument/2006/relationships" xmlns:p="http://schemas.openxmlformats.org/presentationml/2006/main">
-  <p:cSld>
-    <p:spTree>
-      <p:nvGrpSpPr>
-        <p:cNvPr id="1" name=""/>
-        <p:cNvGrpSpPr/>
-        <p:nvPr/>
-      </p:nvGrpSpPr>
-      <p:grpSpPr>
-        <a:xfrm>
-          <a:off x="0" y="0"/>
-          <a:ext cx="0" cy="0"/>
-          <a:chOff x="0" y="0"/>
-          <a:chExt cx="0" cy="0"/>
-        </a:xfrm>
-      </p:grpSpPr>
-      <p:sp>
-        <p:nvSpPr>
-          <p:cNvPr id="3" name="Title 2">
-            <a:extLst>
-              <a:ext uri="{FF2B5EF4-FFF2-40B4-BE49-F238E27FC236}">
-                <a16:creationId xmlns:a16="http://schemas.microsoft.com/office/drawing/2014/main" id="{3D55F2D4-C20E-BEBC-1CCF-4449B0456A7E}"/>
-              </a:ext>
-            </a:extLst>
-          </p:cNvPr>
-          <p:cNvSpPr>
-            <a:spLocks noGrp="1"/>
-          </p:cNvSpPr>
-          <p:nvPr>
-            <p:ph type="title"/>
-          </p:nvPr>
-        </p:nvSpPr>
-        <p:spPr>
-          <a:xfrm>
-            <a:off x="1306286" y="457199"/>
-            <a:ext cx="7631709" cy="1091627"/>
-          </a:xfrm>
-        </p:spPr>
-        <p:txBody>
-          <a:bodyPr/>
-          <a:lstStyle/>
-          <a:p>
-            <a:r>
-              <a:rPr lang="en-US" dirty="0"/>
-              <a:t>Packet Switching</a:t>
-            </a:r>
-          </a:p>
-        </p:txBody>
-      </p:sp>
-      <p:sp>
-        <p:nvSpPr>
-          <p:cNvPr id="14" name="Content Placeholder 7">
-            <a:extLst>
-              <a:ext uri="{FF2B5EF4-FFF2-40B4-BE49-F238E27FC236}">
-                <a16:creationId xmlns:a16="http://schemas.microsoft.com/office/drawing/2014/main" id="{749C7CD1-A9AA-49E3-6734-AD9546F2DF5B}"/>
-              </a:ext>
-            </a:extLst>
-          </p:cNvPr>
-          <p:cNvSpPr>
-            <a:spLocks noGrp="1"/>
-          </p:cNvSpPr>
-          <p:nvPr>
-            <p:ph sz="half" idx="15"/>
-          </p:nvPr>
-        </p:nvSpPr>
-        <p:spPr>
-          <a:xfrm>
-            <a:off x="914399" y="1676400"/>
-            <a:ext cx="10003971" cy="4770439"/>
-          </a:xfrm>
-        </p:spPr>
-        <p:txBody>
-          <a:bodyPr>
-            <a:normAutofit/>
-          </a:bodyPr>
-          <a:lstStyle/>
-          <a:p>
-            <a:pPr marL="0" indent="0">
-              <a:buNone/>
-            </a:pPr>
-            <a:r>
-              <a:rPr lang="en-US" dirty="0"/>
-              <a:t>Packet switching breaks down data into smaller packets that are transmitted independently over the network. Each packet may take a different route to reach the destination.</a:t>
-            </a:r>
-          </a:p>
-          <a:p>
-            <a:pPr marL="0" indent="0">
-              <a:buNone/>
-            </a:pPr>
-            <a:r>
-              <a:rPr lang="en-US" b="1" dirty="0"/>
-              <a:t>Key Features:</a:t>
-            </a:r>
-            <a:endParaRPr lang="en-US" dirty="0"/>
-          </a:p>
-          <a:p>
-            <a:pPr marL="742950" lvl="1" indent="-285750">
-              <a:buFont typeface="Arial" panose="020B0604020202020204" pitchFamily="34" charset="0"/>
-              <a:buChar char="•"/>
-            </a:pPr>
-            <a:r>
-              <a:rPr lang="en-US" b="1" dirty="0"/>
-              <a:t>Dynamic Routing:</a:t>
-            </a:r>
-            <a:r>
-              <a:rPr lang="en-US" dirty="0"/>
-              <a:t> Packets can take the most efficient route based on network conditions, which can vary during the transmission.</a:t>
-            </a:r>
-          </a:p>
-          <a:p>
-            <a:pPr marL="742950" lvl="1" indent="-285750">
-              <a:buFont typeface="Arial" panose="020B0604020202020204" pitchFamily="34" charset="0"/>
-              <a:buChar char="•"/>
-            </a:pPr>
-            <a:r>
-              <a:rPr lang="en-US" b="1" dirty="0"/>
-              <a:t>Support for Various Data Types:</a:t>
-            </a:r>
-            <a:r>
-              <a:rPr lang="en-US" dirty="0"/>
-              <a:t> Suitable for transmitting different types of data (e.g., text, voice, video) efficiently.</a:t>
-            </a:r>
-          </a:p>
-          <a:p>
-            <a:pPr marL="0" indent="0">
-              <a:buNone/>
-            </a:pPr>
-            <a:r>
-              <a:rPr lang="en-US" b="1" dirty="0"/>
-              <a:t>Example:</a:t>
-            </a:r>
-            <a:endParaRPr lang="en-US" dirty="0"/>
-          </a:p>
-          <a:p>
-            <a:pPr marL="742950" lvl="1" indent="-285750">
-              <a:buFont typeface="Arial" panose="020B0604020202020204" pitchFamily="34" charset="0"/>
-              <a:buChar char="•"/>
-            </a:pPr>
-            <a:r>
-              <a:rPr lang="en-US" b="1" dirty="0"/>
-              <a:t>Internet Data Transmission:</a:t>
-            </a:r>
-            <a:r>
-              <a:rPr lang="en-US" dirty="0"/>
-              <a:t> Web browsing, video streaming, and online gaming rely on packet switching, where data is split into packets that travel across the internet via different routes before being reassembled at the destination.</a:t>
-            </a:r>
-          </a:p>
-        </p:txBody>
-      </p:sp>
-      <p:sp>
-        <p:nvSpPr>
-          <p:cNvPr id="4" name="Slide Number Placeholder 3">
-            <a:extLst>
-              <a:ext uri="{FF2B5EF4-FFF2-40B4-BE49-F238E27FC236}">
-                <a16:creationId xmlns:a16="http://schemas.microsoft.com/office/drawing/2014/main" id="{C82CE1B8-1C92-D6D2-444B-652DB90E86D1}"/>
-              </a:ext>
-            </a:extLst>
-          </p:cNvPr>
-          <p:cNvSpPr>
-            <a:spLocks noGrp="1"/>
-          </p:cNvSpPr>
-          <p:nvPr>
-            <p:ph type="sldNum" sz="quarter" idx="10"/>
-          </p:nvPr>
-        </p:nvSpPr>
-        <p:spPr>
-          <a:xfrm>
-            <a:off x="10358437" y="457199"/>
-            <a:ext cx="1067589" cy="471489"/>
-          </a:xfrm>
-        </p:spPr>
-        <p:txBody>
-          <a:bodyPr/>
-          <a:lstStyle/>
-          <a:p>
-            <a:fld id="{48F63A3B-78C7-47BE-AE5E-E10140E04643}" type="slidenum">
-              <a:rPr lang="en-US" smtClean="0"/>
-              <a:pPr/>
-              <a:t>5</a:t>
-            </a:fld>
-            <a:endParaRPr lang="en-US" dirty="0"/>
-          </a:p>
-        </p:txBody>
-      </p:sp>
-    </p:spTree>
-    <p:extLst>
-      <p:ext uri="{BB962C8B-B14F-4D97-AF65-F5344CB8AC3E}">
-        <p14:creationId xmlns:p14="http://schemas.microsoft.com/office/powerpoint/2010/main" val="1941619646"/>
-      </p:ext>
-    </p:extLst>
-  </p:cSld>
-  <p:clrMapOvr>
-    <a:masterClrMapping/>
-  </p:clrMapOvr>
-</p:sld>
-</file>
-
-<file path=ppt/slides/slide6.xml><?xml version="1.0" encoding="utf-8"?>
+<file path=ppt/slides/slide10.xml><?xml version="1.0" encoding="utf-8"?>
 <p:sld xmlns:a="http://schemas.openxmlformats.org/drawingml/2006/main" xmlns:r="http://schemas.openxmlformats.org/officeDocument/2006/relationships" xmlns:p="http://schemas.openxmlformats.org/presentationml/2006/main">
   <p:cSld>
     <p:spTree>
@@ -18180,7 +17612,7 @@
             <a:fld id="{48F63A3B-78C7-47BE-AE5E-E10140E04643}" type="slidenum">
               <a:rPr lang="en-US" smtClean="0"/>
               <a:pPr/>
-              <a:t>6</a:t>
+              <a:t>10</a:t>
             </a:fld>
             <a:endParaRPr lang="en-US" dirty="0"/>
           </a:p>
@@ -19405,7 +18837,7 @@
 </p:sld>
 </file>
 
-<file path=ppt/slides/slide7.xml><?xml version="1.0" encoding="utf-8"?>
+<file path=ppt/slides/slide11.xml><?xml version="1.0" encoding="utf-8"?>
 <p:sld xmlns:a="http://schemas.openxmlformats.org/drawingml/2006/main" xmlns:r="http://schemas.openxmlformats.org/officeDocument/2006/relationships" xmlns:p="http://schemas.openxmlformats.org/presentationml/2006/main">
   <p:cSld>
     <p:spTree>
@@ -19466,6 +18898,1284 @@
     <p:extLst>
       <p:ext uri="{BB962C8B-B14F-4D97-AF65-F5344CB8AC3E}">
         <p14:creationId xmlns:p14="http://schemas.microsoft.com/office/powerpoint/2010/main" val="1973173046"/>
+      </p:ext>
+    </p:extLst>
+  </p:cSld>
+  <p:clrMapOvr>
+    <a:masterClrMapping/>
+  </p:clrMapOvr>
+</p:sld>
+</file>
+
+<file path=ppt/slides/slide2.xml><?xml version="1.0" encoding="utf-8"?>
+<p:sld xmlns:a="http://schemas.openxmlformats.org/drawingml/2006/main" xmlns:r="http://schemas.openxmlformats.org/officeDocument/2006/relationships" xmlns:p="http://schemas.openxmlformats.org/presentationml/2006/main">
+  <p:cSld>
+    <p:spTree>
+      <p:nvGrpSpPr>
+        <p:cNvPr id="1" name=""/>
+        <p:cNvGrpSpPr/>
+        <p:nvPr/>
+      </p:nvGrpSpPr>
+      <p:grpSpPr>
+        <a:xfrm>
+          <a:off x="0" y="0"/>
+          <a:ext cx="0" cy="0"/>
+          <a:chOff x="0" y="0"/>
+          <a:chExt cx="0" cy="0"/>
+        </a:xfrm>
+      </p:grpSpPr>
+      <p:sp>
+        <p:nvSpPr>
+          <p:cNvPr id="4" name="Picture Placeholder 3">
+            <a:extLst>
+              <a:ext uri="{FF2B5EF4-FFF2-40B4-BE49-F238E27FC236}">
+                <a16:creationId xmlns:a16="http://schemas.microsoft.com/office/drawing/2014/main" id="{6A8B7265-16A1-2297-7593-3CD778B2389C}"/>
+              </a:ext>
+            </a:extLst>
+          </p:cNvPr>
+          <p:cNvSpPr>
+            <a:spLocks noGrp="1"/>
+          </p:cNvSpPr>
+          <p:nvPr>
+            <p:ph type="pic" sz="quarter" idx="14"/>
+          </p:nvPr>
+        </p:nvSpPr>
+        <p:spPr/>
+      </p:sp>
+      <p:sp>
+        <p:nvSpPr>
+          <p:cNvPr id="5" name="Slide Number Placeholder 4">
+            <a:extLst>
+              <a:ext uri="{FF2B5EF4-FFF2-40B4-BE49-F238E27FC236}">
+                <a16:creationId xmlns:a16="http://schemas.microsoft.com/office/drawing/2014/main" id="{6AE63AFB-F84B-9BC5-1852-5A3CBD22292B}"/>
+              </a:ext>
+            </a:extLst>
+          </p:cNvPr>
+          <p:cNvSpPr>
+            <a:spLocks noGrp="1"/>
+          </p:cNvSpPr>
+          <p:nvPr>
+            <p:ph type="sldNum" sz="quarter" idx="10"/>
+          </p:nvPr>
+        </p:nvSpPr>
+        <p:spPr/>
+        <p:txBody>
+          <a:bodyPr/>
+          <a:lstStyle/>
+          <a:p>
+            <a:fld id="{48F63A3B-78C7-47BE-AE5E-E10140E04643}" type="slidenum">
+              <a:rPr lang="en-US" smtClean="0"/>
+              <a:pPr/>
+              <a:t>2</a:t>
+            </a:fld>
+            <a:endParaRPr lang="en-US" dirty="0"/>
+          </a:p>
+        </p:txBody>
+      </p:sp>
+      <p:pic>
+        <p:nvPicPr>
+          <p:cNvPr id="2050" name="Picture 2" descr="Computer Network Vector">
+            <a:extLst>
+              <a:ext uri="{FF2B5EF4-FFF2-40B4-BE49-F238E27FC236}">
+                <a16:creationId xmlns:a16="http://schemas.microsoft.com/office/drawing/2014/main" id="{299EDB4A-CB8C-6F53-EAC0-CE114857573C}"/>
+              </a:ext>
+            </a:extLst>
+          </p:cNvPr>
+          <p:cNvPicPr>
+            <a:picLocks noChangeAspect="1" noChangeArrowheads="1"/>
+          </p:cNvPicPr>
+          <p:nvPr/>
+        </p:nvPicPr>
+        <p:blipFill>
+          <a:blip r:embed="rId2">
+            <a:extLst>
+              <a:ext uri="{28A0092B-C50C-407E-A947-70E740481C1C}">
+                <a14:useLocalDpi xmlns:a14="http://schemas.microsoft.com/office/drawing/2010/main" val="0"/>
+              </a:ext>
+            </a:extLst>
+          </a:blip>
+          <a:srcRect/>
+          <a:stretch>
+            <a:fillRect/>
+          </a:stretch>
+        </p:blipFill>
+        <p:spPr bwMode="auto">
+          <a:xfrm>
+            <a:off x="0" y="0"/>
+            <a:ext cx="12344400" cy="6858000"/>
+          </a:xfrm>
+          <a:prstGeom prst="rect">
+            <a:avLst/>
+          </a:prstGeom>
+          <a:noFill/>
+          <a:extLst>
+            <a:ext uri="{909E8E84-426E-40DD-AFC4-6F175D3DCCD1}">
+              <a14:hiddenFill xmlns:a14="http://schemas.microsoft.com/office/drawing/2010/main">
+                <a:solidFill>
+                  <a:srgbClr val="FFFFFF"/>
+                </a:solidFill>
+              </a14:hiddenFill>
+            </a:ext>
+          </a:extLst>
+        </p:spPr>
+      </p:pic>
+      <p:sp>
+        <p:nvSpPr>
+          <p:cNvPr id="6" name="TextBox 5">
+            <a:extLst>
+              <a:ext uri="{FF2B5EF4-FFF2-40B4-BE49-F238E27FC236}">
+                <a16:creationId xmlns:a16="http://schemas.microsoft.com/office/drawing/2014/main" id="{2BCEBB96-B79F-7483-404F-47A2BF1DE17F}"/>
+              </a:ext>
+            </a:extLst>
+          </p:cNvPr>
+          <p:cNvSpPr txBox="1"/>
+          <p:nvPr/>
+        </p:nvSpPr>
+        <p:spPr>
+          <a:xfrm>
+            <a:off x="765973" y="338138"/>
+            <a:ext cx="11311727" cy="830997"/>
+          </a:xfrm>
+          <a:prstGeom prst="rect">
+            <a:avLst/>
+          </a:prstGeom>
+          <a:noFill/>
+        </p:spPr>
+        <p:txBody>
+          <a:bodyPr wrap="square" rtlCol="0">
+            <a:spAutoFit/>
+          </a:bodyPr>
+          <a:lstStyle/>
+          <a:p>
+            <a:r>
+              <a:rPr lang="en-US" sz="2400" b="1" dirty="0"/>
+              <a:t>Multiple Paths and Multiple technologies (</a:t>
+            </a:r>
+            <a:r>
+              <a:rPr lang="en-US" sz="2400" b="1" dirty="0" err="1"/>
+              <a:t>Wifi</a:t>
+            </a:r>
+            <a:r>
+              <a:rPr lang="en-US" sz="2400" b="1" dirty="0"/>
+              <a:t>, Ethernet etc.) between the same two systems</a:t>
+            </a:r>
+            <a:endParaRPr lang="en-IN" sz="2400" b="1" dirty="0"/>
+          </a:p>
+        </p:txBody>
+      </p:sp>
+    </p:spTree>
+    <p:extLst>
+      <p:ext uri="{BB962C8B-B14F-4D97-AF65-F5344CB8AC3E}">
+        <p14:creationId xmlns:p14="http://schemas.microsoft.com/office/powerpoint/2010/main" val="2370005921"/>
+      </p:ext>
+    </p:extLst>
+  </p:cSld>
+  <p:clrMapOvr>
+    <a:masterClrMapping/>
+  </p:clrMapOvr>
+</p:sld>
+</file>
+
+<file path=ppt/slides/slide3.xml><?xml version="1.0" encoding="utf-8"?>
+<p:sld xmlns:a="http://schemas.openxmlformats.org/drawingml/2006/main" xmlns:r="http://schemas.openxmlformats.org/officeDocument/2006/relationships" xmlns:p="http://schemas.openxmlformats.org/presentationml/2006/main">
+  <p:cSld>
+    <p:spTree>
+      <p:nvGrpSpPr>
+        <p:cNvPr id="1" name=""/>
+        <p:cNvGrpSpPr/>
+        <p:nvPr/>
+      </p:nvGrpSpPr>
+      <p:grpSpPr>
+        <a:xfrm>
+          <a:off x="0" y="0"/>
+          <a:ext cx="0" cy="0"/>
+          <a:chOff x="0" y="0"/>
+          <a:chExt cx="0" cy="0"/>
+        </a:xfrm>
+      </p:grpSpPr>
+      <p:sp>
+        <p:nvSpPr>
+          <p:cNvPr id="2" name="Title 1">
+            <a:extLst>
+              <a:ext uri="{FF2B5EF4-FFF2-40B4-BE49-F238E27FC236}">
+                <a16:creationId xmlns:a16="http://schemas.microsoft.com/office/drawing/2014/main" id="{13021072-4A77-DB4D-DF41-58EADB7DA94E}"/>
+              </a:ext>
+            </a:extLst>
+          </p:cNvPr>
+          <p:cNvSpPr>
+            <a:spLocks noGrp="1"/>
+          </p:cNvSpPr>
+          <p:nvPr>
+            <p:ph type="title"/>
+          </p:nvPr>
+        </p:nvSpPr>
+        <p:spPr>
+          <a:xfrm>
+            <a:off x="914400" y="457199"/>
+            <a:ext cx="6583680" cy="1531357"/>
+          </a:xfrm>
+        </p:spPr>
+        <p:txBody>
+          <a:bodyPr/>
+          <a:lstStyle/>
+          <a:p>
+            <a:r>
+              <a:rPr lang="en-US" dirty="0"/>
+              <a:t>Switching</a:t>
+            </a:r>
+          </a:p>
+        </p:txBody>
+      </p:sp>
+      <p:sp>
+        <p:nvSpPr>
+          <p:cNvPr id="3" name="Content Placeholder 2">
+            <a:extLst>
+              <a:ext uri="{FF2B5EF4-FFF2-40B4-BE49-F238E27FC236}">
+                <a16:creationId xmlns:a16="http://schemas.microsoft.com/office/drawing/2014/main" id="{D4D22962-3C7F-E480-5C35-7F4860A098E1}"/>
+              </a:ext>
+            </a:extLst>
+          </p:cNvPr>
+          <p:cNvSpPr>
+            <a:spLocks noGrp="1"/>
+          </p:cNvSpPr>
+          <p:nvPr>
+            <p:ph idx="1"/>
+          </p:nvPr>
+        </p:nvSpPr>
+        <p:spPr>
+          <a:xfrm>
+            <a:off x="424543" y="2188029"/>
+            <a:ext cx="7628709" cy="3560040"/>
+          </a:xfrm>
+        </p:spPr>
+        <p:txBody>
+          <a:bodyPr>
+            <a:normAutofit fontScale="92500" lnSpcReduction="20000"/>
+          </a:bodyPr>
+          <a:lstStyle/>
+          <a:p>
+            <a:r>
+              <a:rPr lang="en-US" dirty="0"/>
+              <a:t>	It’s the process of transfer of data between two different computers or two different networks.</a:t>
+            </a:r>
+          </a:p>
+          <a:p>
+            <a:endParaRPr lang="en-US" dirty="0"/>
+          </a:p>
+          <a:p>
+            <a:r>
+              <a:rPr lang="en-US" dirty="0"/>
+              <a:t>      Types of switching:</a:t>
+            </a:r>
+          </a:p>
+          <a:p>
+            <a:endParaRPr lang="en-US" dirty="0"/>
+          </a:p>
+          <a:p>
+            <a:r>
+              <a:rPr lang="en-US" dirty="0"/>
+              <a:t>	Circuit Switching</a:t>
+            </a:r>
+          </a:p>
+          <a:p>
+            <a:r>
+              <a:rPr lang="en-US" dirty="0"/>
+              <a:t>	Message Switching</a:t>
+            </a:r>
+          </a:p>
+          <a:p>
+            <a:r>
+              <a:rPr lang="en-US" dirty="0"/>
+              <a:t>	Packet Switching</a:t>
+            </a:r>
+          </a:p>
+        </p:txBody>
+      </p:sp>
+      <p:sp>
+        <p:nvSpPr>
+          <p:cNvPr id="4" name="Slide Number Placeholder 3">
+            <a:extLst>
+              <a:ext uri="{FF2B5EF4-FFF2-40B4-BE49-F238E27FC236}">
+                <a16:creationId xmlns:a16="http://schemas.microsoft.com/office/drawing/2014/main" id="{18D5CFA2-4E67-F157-5FFD-A246307D41F7}"/>
+              </a:ext>
+            </a:extLst>
+          </p:cNvPr>
+          <p:cNvSpPr>
+            <a:spLocks noGrp="1"/>
+          </p:cNvSpPr>
+          <p:nvPr>
+            <p:ph type="sldNum" sz="quarter" idx="10"/>
+          </p:nvPr>
+        </p:nvSpPr>
+        <p:spPr>
+          <a:xfrm>
+            <a:off x="10358437" y="457199"/>
+            <a:ext cx="1067589" cy="471489"/>
+          </a:xfrm>
+        </p:spPr>
+        <p:txBody>
+          <a:bodyPr/>
+          <a:lstStyle/>
+          <a:p>
+            <a:fld id="{48F63A3B-78C7-47BE-AE5E-E10140E04643}" type="slidenum">
+              <a:rPr lang="en-US" smtClean="0"/>
+              <a:pPr/>
+              <a:t>3</a:t>
+            </a:fld>
+            <a:endParaRPr lang="en-US" dirty="0"/>
+          </a:p>
+        </p:txBody>
+      </p:sp>
+    </p:spTree>
+    <p:extLst>
+      <p:ext uri="{BB962C8B-B14F-4D97-AF65-F5344CB8AC3E}">
+        <p14:creationId xmlns:p14="http://schemas.microsoft.com/office/powerpoint/2010/main" val="3913219759"/>
+      </p:ext>
+    </p:extLst>
+  </p:cSld>
+  <p:clrMapOvr>
+    <a:masterClrMapping/>
+  </p:clrMapOvr>
+</p:sld>
+</file>
+
+<file path=ppt/slides/slide4.xml><?xml version="1.0" encoding="utf-8"?>
+<p:sld xmlns:a="http://schemas.openxmlformats.org/drawingml/2006/main" xmlns:r="http://schemas.openxmlformats.org/officeDocument/2006/relationships" xmlns:p="http://schemas.openxmlformats.org/presentationml/2006/main">
+  <p:cSld>
+    <p:spTree>
+      <p:nvGrpSpPr>
+        <p:cNvPr id="1" name=""/>
+        <p:cNvGrpSpPr/>
+        <p:nvPr/>
+      </p:nvGrpSpPr>
+      <p:grpSpPr>
+        <a:xfrm>
+          <a:off x="0" y="0"/>
+          <a:ext cx="0" cy="0"/>
+          <a:chOff x="0" y="0"/>
+          <a:chExt cx="0" cy="0"/>
+        </a:xfrm>
+      </p:grpSpPr>
+      <p:sp>
+        <p:nvSpPr>
+          <p:cNvPr id="2" name="Title 1">
+            <a:extLst>
+              <a:ext uri="{FF2B5EF4-FFF2-40B4-BE49-F238E27FC236}">
+                <a16:creationId xmlns:a16="http://schemas.microsoft.com/office/drawing/2014/main" id="{FD5E8954-9BCB-7FD9-A210-38DC54382D45}"/>
+              </a:ext>
+            </a:extLst>
+          </p:cNvPr>
+          <p:cNvSpPr>
+            <a:spLocks noGrp="1"/>
+          </p:cNvSpPr>
+          <p:nvPr>
+            <p:ph type="title"/>
+          </p:nvPr>
+        </p:nvSpPr>
+        <p:spPr>
+          <a:xfrm>
+            <a:off x="3351708" y="427944"/>
+            <a:ext cx="7965461" cy="994164"/>
+          </a:xfrm>
+        </p:spPr>
+        <p:txBody>
+          <a:bodyPr/>
+          <a:lstStyle/>
+          <a:p>
+            <a:r>
+              <a:rPr lang="en-US" dirty="0"/>
+              <a:t>Circuit Switching</a:t>
+            </a:r>
+          </a:p>
+        </p:txBody>
+      </p:sp>
+      <p:sp>
+        <p:nvSpPr>
+          <p:cNvPr id="3" name="Content Placeholder 2">
+            <a:extLst>
+              <a:ext uri="{FF2B5EF4-FFF2-40B4-BE49-F238E27FC236}">
+                <a16:creationId xmlns:a16="http://schemas.microsoft.com/office/drawing/2014/main" id="{75111C33-898C-4414-4665-5136EB6FC126}"/>
+              </a:ext>
+            </a:extLst>
+          </p:cNvPr>
+          <p:cNvSpPr>
+            <a:spLocks noGrp="1"/>
+          </p:cNvSpPr>
+          <p:nvPr>
+            <p:ph sz="half" idx="2"/>
+          </p:nvPr>
+        </p:nvSpPr>
+        <p:spPr>
+          <a:xfrm>
+            <a:off x="2786743" y="1654630"/>
+            <a:ext cx="8639282" cy="4985656"/>
+          </a:xfrm>
+        </p:spPr>
+        <p:txBody>
+          <a:bodyPr>
+            <a:normAutofit/>
+          </a:bodyPr>
+          <a:lstStyle/>
+          <a:p>
+            <a:pPr marL="0" indent="0">
+              <a:buNone/>
+            </a:pPr>
+            <a:r>
+              <a:rPr lang="en-US" dirty="0"/>
+              <a:t>Circuit switching is a method of communication where a dedicated communication path is established between two devices for the duration of the connection.</a:t>
+            </a:r>
+          </a:p>
+          <a:p>
+            <a:pPr marL="0" indent="0">
+              <a:buNone/>
+            </a:pPr>
+            <a:endParaRPr lang="en-US" dirty="0"/>
+          </a:p>
+          <a:p>
+            <a:pPr marL="0" indent="0">
+              <a:buNone/>
+            </a:pPr>
+            <a:r>
+              <a:rPr lang="en-US" b="1" dirty="0"/>
+              <a:t>Key Features:</a:t>
+            </a:r>
+            <a:endParaRPr lang="en-US" dirty="0"/>
+          </a:p>
+          <a:p>
+            <a:pPr>
+              <a:buFont typeface="Arial" panose="020B0604020202020204" pitchFamily="34" charset="0"/>
+              <a:buChar char="•"/>
+            </a:pPr>
+            <a:r>
+              <a:rPr lang="en-US" b="1" dirty="0"/>
+              <a:t>Dedicated Path:</a:t>
+            </a:r>
+            <a:r>
+              <a:rPr lang="en-US" dirty="0"/>
+              <a:t> A continuous, exclusive path is set up for the entire communication session.</a:t>
+            </a:r>
+          </a:p>
+          <a:p>
+            <a:pPr>
+              <a:buFont typeface="Arial" panose="020B0604020202020204" pitchFamily="34" charset="0"/>
+              <a:buChar char="•"/>
+            </a:pPr>
+            <a:r>
+              <a:rPr lang="en-US" b="1" dirty="0"/>
+              <a:t>Continuous Connection:</a:t>
+            </a:r>
+            <a:r>
+              <a:rPr lang="en-US" dirty="0"/>
+              <a:t> Once established, the connection remains open and active until the communication session ends.</a:t>
+            </a:r>
+          </a:p>
+          <a:p>
+            <a:pPr>
+              <a:buFont typeface="Arial" panose="020B0604020202020204" pitchFamily="34" charset="0"/>
+              <a:buChar char="•"/>
+            </a:pPr>
+            <a:r>
+              <a:rPr lang="en-US" b="1" dirty="0"/>
+              <a:t>Efficiency for Voice Applications:</a:t>
+            </a:r>
+            <a:r>
+              <a:rPr lang="en-US" dirty="0"/>
+              <a:t> Ideal for real-time voice communication like traditional telephone networks due to consistent and predictable data transfer.</a:t>
+            </a:r>
+          </a:p>
+          <a:p>
+            <a:pPr marL="0" indent="0">
+              <a:buNone/>
+            </a:pPr>
+            <a:r>
+              <a:rPr lang="en-US" b="1" dirty="0"/>
+              <a:t>Example:</a:t>
+            </a:r>
+            <a:endParaRPr lang="en-US" dirty="0"/>
+          </a:p>
+          <a:p>
+            <a:pPr>
+              <a:buFont typeface="Arial" panose="020B0604020202020204" pitchFamily="34" charset="0"/>
+              <a:buChar char="•"/>
+            </a:pPr>
+            <a:r>
+              <a:rPr lang="en-US" b="1" dirty="0"/>
+              <a:t>Traditional Telephone Networks:</a:t>
+            </a:r>
+            <a:r>
+              <a:rPr lang="en-US" dirty="0"/>
+              <a:t> When you make a phone call, a dedicated circuit is established between your phone and the receiver's phone, which remains open until the call ends.</a:t>
+            </a:r>
+          </a:p>
+          <a:p>
+            <a:pPr marL="0" indent="0">
+              <a:buNone/>
+            </a:pPr>
+            <a:endParaRPr lang="en-US" dirty="0"/>
+          </a:p>
+        </p:txBody>
+      </p:sp>
+      <p:sp>
+        <p:nvSpPr>
+          <p:cNvPr id="23" name="Slide Number Placeholder 22">
+            <a:extLst>
+              <a:ext uri="{FF2B5EF4-FFF2-40B4-BE49-F238E27FC236}">
+                <a16:creationId xmlns:a16="http://schemas.microsoft.com/office/drawing/2014/main" id="{94FF72B7-0438-3641-5939-75128934B0DF}"/>
+              </a:ext>
+            </a:extLst>
+          </p:cNvPr>
+          <p:cNvSpPr>
+            <a:spLocks noGrp="1"/>
+          </p:cNvSpPr>
+          <p:nvPr>
+            <p:ph type="sldNum" sz="quarter" idx="10"/>
+          </p:nvPr>
+        </p:nvSpPr>
+        <p:spPr>
+          <a:xfrm>
+            <a:off x="10358437" y="457199"/>
+            <a:ext cx="1067589" cy="471489"/>
+          </a:xfrm>
+        </p:spPr>
+        <p:txBody>
+          <a:bodyPr/>
+          <a:lstStyle/>
+          <a:p>
+            <a:fld id="{48F63A3B-78C7-47BE-AE5E-E10140E04643}" type="slidenum">
+              <a:rPr lang="en-US" smtClean="0"/>
+              <a:pPr/>
+              <a:t>4</a:t>
+            </a:fld>
+            <a:endParaRPr lang="en-US" dirty="0"/>
+          </a:p>
+        </p:txBody>
+      </p:sp>
+    </p:spTree>
+    <p:extLst>
+      <p:ext uri="{BB962C8B-B14F-4D97-AF65-F5344CB8AC3E}">
+        <p14:creationId xmlns:p14="http://schemas.microsoft.com/office/powerpoint/2010/main" val="685681062"/>
+      </p:ext>
+    </p:extLst>
+  </p:cSld>
+  <p:clrMapOvr>
+    <a:masterClrMapping/>
+  </p:clrMapOvr>
+</p:sld>
+</file>
+
+<file path=ppt/slides/slide5.xml><?xml version="1.0" encoding="utf-8"?>
+<p:sld xmlns:a="http://schemas.openxmlformats.org/drawingml/2006/main" xmlns:r="http://schemas.openxmlformats.org/officeDocument/2006/relationships" xmlns:p="http://schemas.openxmlformats.org/presentationml/2006/main">
+  <p:cSld>
+    <p:spTree>
+      <p:nvGrpSpPr>
+        <p:cNvPr id="1" name=""/>
+        <p:cNvGrpSpPr/>
+        <p:nvPr/>
+      </p:nvGrpSpPr>
+      <p:grpSpPr>
+        <a:xfrm>
+          <a:off x="0" y="0"/>
+          <a:ext cx="0" cy="0"/>
+          <a:chOff x="0" y="0"/>
+          <a:chExt cx="0" cy="0"/>
+        </a:xfrm>
+      </p:grpSpPr>
+      <p:sp>
+        <p:nvSpPr>
+          <p:cNvPr id="4" name="Slide Number Placeholder 3">
+            <a:extLst>
+              <a:ext uri="{FF2B5EF4-FFF2-40B4-BE49-F238E27FC236}">
+                <a16:creationId xmlns:a16="http://schemas.microsoft.com/office/drawing/2014/main" id="{D1FBF4D3-F173-42B7-595A-6C9140027A00}"/>
+              </a:ext>
+            </a:extLst>
+          </p:cNvPr>
+          <p:cNvSpPr>
+            <a:spLocks noGrp="1"/>
+          </p:cNvSpPr>
+          <p:nvPr>
+            <p:ph type="sldNum" sz="quarter" idx="10"/>
+          </p:nvPr>
+        </p:nvSpPr>
+        <p:spPr/>
+        <p:txBody>
+          <a:bodyPr/>
+          <a:lstStyle/>
+          <a:p>
+            <a:fld id="{48F63A3B-78C7-47BE-AE5E-E10140E04643}" type="slidenum">
+              <a:rPr lang="en-US" smtClean="0"/>
+              <a:pPr/>
+              <a:t>5</a:t>
+            </a:fld>
+            <a:endParaRPr lang="en-US" dirty="0"/>
+          </a:p>
+        </p:txBody>
+      </p:sp>
+      <p:pic>
+        <p:nvPicPr>
+          <p:cNvPr id="3074" name="Picture 2">
+            <a:extLst>
+              <a:ext uri="{FF2B5EF4-FFF2-40B4-BE49-F238E27FC236}">
+                <a16:creationId xmlns:a16="http://schemas.microsoft.com/office/drawing/2014/main" id="{F798207E-FB88-FBA4-F4B8-1D3747B9F6DB}"/>
+              </a:ext>
+            </a:extLst>
+          </p:cNvPr>
+          <p:cNvPicPr>
+            <a:picLocks noChangeAspect="1" noChangeArrowheads="1"/>
+          </p:cNvPicPr>
+          <p:nvPr/>
+        </p:nvPicPr>
+        <p:blipFill>
+          <a:blip r:embed="rId2">
+            <a:extLst>
+              <a:ext uri="{28A0092B-C50C-407E-A947-70E740481C1C}">
+                <a14:useLocalDpi xmlns:a14="http://schemas.microsoft.com/office/drawing/2010/main" val="0"/>
+              </a:ext>
+            </a:extLst>
+          </a:blip>
+          <a:srcRect/>
+          <a:stretch>
+            <a:fillRect/>
+          </a:stretch>
+        </p:blipFill>
+        <p:spPr bwMode="auto">
+          <a:xfrm>
+            <a:off x="3698874" y="692942"/>
+            <a:ext cx="7557780" cy="5453857"/>
+          </a:xfrm>
+          <a:prstGeom prst="rect">
+            <a:avLst/>
+          </a:prstGeom>
+          <a:noFill/>
+          <a:extLst>
+            <a:ext uri="{909E8E84-426E-40DD-AFC4-6F175D3DCCD1}">
+              <a14:hiddenFill xmlns:a14="http://schemas.microsoft.com/office/drawing/2010/main">
+                <a:solidFill>
+                  <a:srgbClr val="FFFFFF"/>
+                </a:solidFill>
+              </a14:hiddenFill>
+            </a:ext>
+          </a:extLst>
+        </p:spPr>
+      </p:pic>
+    </p:spTree>
+    <p:extLst>
+      <p:ext uri="{BB962C8B-B14F-4D97-AF65-F5344CB8AC3E}">
+        <p14:creationId xmlns:p14="http://schemas.microsoft.com/office/powerpoint/2010/main" val="3427014436"/>
+      </p:ext>
+    </p:extLst>
+  </p:cSld>
+  <p:clrMapOvr>
+    <a:masterClrMapping/>
+  </p:clrMapOvr>
+</p:sld>
+</file>
+
+<file path=ppt/slides/slide6.xml><?xml version="1.0" encoding="utf-8"?>
+<p:sld xmlns:a="http://schemas.openxmlformats.org/drawingml/2006/main" xmlns:r="http://schemas.openxmlformats.org/officeDocument/2006/relationships" xmlns:p="http://schemas.openxmlformats.org/presentationml/2006/main">
+  <p:cSld>
+    <p:spTree>
+      <p:nvGrpSpPr>
+        <p:cNvPr id="1" name=""/>
+        <p:cNvGrpSpPr/>
+        <p:nvPr/>
+      </p:nvGrpSpPr>
+      <p:grpSpPr>
+        <a:xfrm>
+          <a:off x="0" y="0"/>
+          <a:ext cx="0" cy="0"/>
+          <a:chOff x="0" y="0"/>
+          <a:chExt cx="0" cy="0"/>
+        </a:xfrm>
+      </p:grpSpPr>
+      <p:sp>
+        <p:nvSpPr>
+          <p:cNvPr id="2" name="Title 1">
+            <a:extLst>
+              <a:ext uri="{FF2B5EF4-FFF2-40B4-BE49-F238E27FC236}">
+                <a16:creationId xmlns:a16="http://schemas.microsoft.com/office/drawing/2014/main" id="{B28A34A6-22BC-27A4-2C79-EE98A4943B14}"/>
+              </a:ext>
+            </a:extLst>
+          </p:cNvPr>
+          <p:cNvSpPr>
+            <a:spLocks noGrp="1"/>
+          </p:cNvSpPr>
+          <p:nvPr>
+            <p:ph type="title"/>
+          </p:nvPr>
+        </p:nvSpPr>
+        <p:spPr>
+          <a:xfrm>
+            <a:off x="883927" y="317495"/>
+            <a:ext cx="7796464" cy="1222385"/>
+          </a:xfrm>
+        </p:spPr>
+        <p:txBody>
+          <a:bodyPr/>
+          <a:lstStyle/>
+          <a:p>
+            <a:r>
+              <a:rPr lang="en-US" dirty="0"/>
+              <a:t>Message switching</a:t>
+            </a:r>
+          </a:p>
+        </p:txBody>
+      </p:sp>
+      <p:sp>
+        <p:nvSpPr>
+          <p:cNvPr id="3" name="Slide Number Placeholder 2">
+            <a:extLst>
+              <a:ext uri="{FF2B5EF4-FFF2-40B4-BE49-F238E27FC236}">
+                <a16:creationId xmlns:a16="http://schemas.microsoft.com/office/drawing/2014/main" id="{7267C004-8B72-C872-98FB-00A2A584D055}"/>
+              </a:ext>
+            </a:extLst>
+          </p:cNvPr>
+          <p:cNvSpPr>
+            <a:spLocks noGrp="1"/>
+          </p:cNvSpPr>
+          <p:nvPr>
+            <p:ph type="sldNum" sz="quarter" idx="10"/>
+          </p:nvPr>
+        </p:nvSpPr>
+        <p:spPr>
+          <a:xfrm>
+            <a:off x="10438475" y="457199"/>
+            <a:ext cx="987552" cy="471489"/>
+          </a:xfrm>
+        </p:spPr>
+        <p:txBody>
+          <a:bodyPr/>
+          <a:lstStyle/>
+          <a:p>
+            <a:fld id="{48F63A3B-78C7-47BE-AE5E-E10140E04643}" type="slidenum">
+              <a:rPr lang="en-US" smtClean="0"/>
+              <a:pPr/>
+              <a:t>6</a:t>
+            </a:fld>
+            <a:endParaRPr lang="en-US" dirty="0"/>
+          </a:p>
+        </p:txBody>
+      </p:sp>
+      <p:sp>
+        <p:nvSpPr>
+          <p:cNvPr id="16" name="Content Placeholder 4">
+            <a:extLst>
+              <a:ext uri="{FF2B5EF4-FFF2-40B4-BE49-F238E27FC236}">
+                <a16:creationId xmlns:a16="http://schemas.microsoft.com/office/drawing/2014/main" id="{AEF9954A-E263-8A7E-58B1-4D03F7D1BD9B}"/>
+              </a:ext>
+            </a:extLst>
+          </p:cNvPr>
+          <p:cNvSpPr>
+            <a:spLocks noGrp="1"/>
+          </p:cNvSpPr>
+          <p:nvPr>
+            <p:ph sz="half" idx="2"/>
+          </p:nvPr>
+        </p:nvSpPr>
+        <p:spPr>
+          <a:xfrm>
+            <a:off x="914400" y="1861458"/>
+            <a:ext cx="7765991" cy="4161908"/>
+          </a:xfrm>
+        </p:spPr>
+        <p:txBody>
+          <a:bodyPr>
+            <a:normAutofit fontScale="92500" lnSpcReduction="10000"/>
+          </a:bodyPr>
+          <a:lstStyle/>
+          <a:p>
+            <a:r>
+              <a:rPr lang="en-US" dirty="0"/>
+              <a:t>Message switching involves the transfer of complete messages from one device to another using a store-and-forward mechanism, without the need for a dedicated path.</a:t>
+            </a:r>
+          </a:p>
+          <a:p>
+            <a:r>
+              <a:rPr lang="en-US" b="1" dirty="0"/>
+              <a:t>Key Features:</a:t>
+            </a:r>
+            <a:endParaRPr lang="en-US" dirty="0"/>
+          </a:p>
+          <a:p>
+            <a:pPr marL="742950" lvl="1" indent="-285750">
+              <a:buFont typeface="Arial" panose="020B0604020202020204" pitchFamily="34" charset="0"/>
+              <a:buChar char="•"/>
+            </a:pPr>
+            <a:r>
+              <a:rPr lang="en-US" b="1" dirty="0"/>
+              <a:t>No Direct Connection:</a:t>
+            </a:r>
+            <a:r>
+              <a:rPr lang="en-US" dirty="0"/>
+              <a:t> There is no direct connection between the sender and receiver. Each message is routed independently.</a:t>
+            </a:r>
+          </a:p>
+          <a:p>
+            <a:pPr marL="742950" lvl="1" indent="-285750">
+              <a:buFont typeface="Arial" panose="020B0604020202020204" pitchFamily="34" charset="0"/>
+              <a:buChar char="•"/>
+            </a:pPr>
+            <a:r>
+              <a:rPr lang="en-US" b="1" dirty="0"/>
+              <a:t>Whole Message Delivery:</a:t>
+            </a:r>
+            <a:r>
+              <a:rPr lang="en-US" dirty="0"/>
+              <a:t> The entire message is stored at intermediate nodes before being forwarded to the next node.</a:t>
+            </a:r>
+          </a:p>
+          <a:p>
+            <a:pPr marL="742950" lvl="1" indent="-285750">
+              <a:buFont typeface="Arial" panose="020B0604020202020204" pitchFamily="34" charset="0"/>
+              <a:buChar char="•"/>
+            </a:pPr>
+            <a:r>
+              <a:rPr lang="en-US" b="1" dirty="0"/>
+              <a:t>Suitability for Email:</a:t>
+            </a:r>
+            <a:r>
+              <a:rPr lang="en-US" dirty="0"/>
+              <a:t> Well-suited for applications where timing is not critical, like email and file transfers.</a:t>
+            </a:r>
+          </a:p>
+          <a:p>
+            <a:r>
+              <a:rPr lang="en-US" b="1" dirty="0"/>
+              <a:t>Example:</a:t>
+            </a:r>
+            <a:endParaRPr lang="en-US" dirty="0"/>
+          </a:p>
+          <a:p>
+            <a:pPr marL="742950" lvl="1" indent="-285750">
+              <a:buFont typeface="Arial" panose="020B0604020202020204" pitchFamily="34" charset="0"/>
+              <a:buChar char="•"/>
+            </a:pPr>
+            <a:r>
+              <a:rPr lang="en-US" b="1" dirty="0"/>
+              <a:t>Email Transmission:</a:t>
+            </a:r>
+            <a:r>
+              <a:rPr lang="en-US" dirty="0"/>
+              <a:t> An email message is sent from the sender to an email server, stored temporarily, and then forwarded to the recipient’s email server before being delivered.</a:t>
+            </a:r>
+          </a:p>
+        </p:txBody>
+      </p:sp>
+    </p:spTree>
+    <p:extLst>
+      <p:ext uri="{BB962C8B-B14F-4D97-AF65-F5344CB8AC3E}">
+        <p14:creationId xmlns:p14="http://schemas.microsoft.com/office/powerpoint/2010/main" val="2468595790"/>
+      </p:ext>
+    </p:extLst>
+  </p:cSld>
+  <p:clrMapOvr>
+    <a:masterClrMapping/>
+  </p:clrMapOvr>
+</p:sld>
+</file>
+
+<file path=ppt/slides/slide7.xml><?xml version="1.0" encoding="utf-8"?>
+<p:sld xmlns:a="http://schemas.openxmlformats.org/drawingml/2006/main" xmlns:r="http://schemas.openxmlformats.org/officeDocument/2006/relationships" xmlns:p="http://schemas.openxmlformats.org/presentationml/2006/main">
+  <p:cSld>
+    <p:spTree>
+      <p:nvGrpSpPr>
+        <p:cNvPr id="1" name=""/>
+        <p:cNvGrpSpPr/>
+        <p:nvPr/>
+      </p:nvGrpSpPr>
+      <p:grpSpPr>
+        <a:xfrm>
+          <a:off x="0" y="0"/>
+          <a:ext cx="0" cy="0"/>
+          <a:chOff x="0" y="0"/>
+          <a:chExt cx="0" cy="0"/>
+        </a:xfrm>
+      </p:grpSpPr>
+      <p:sp>
+        <p:nvSpPr>
+          <p:cNvPr id="3" name="Slide Number Placeholder 2">
+            <a:extLst>
+              <a:ext uri="{FF2B5EF4-FFF2-40B4-BE49-F238E27FC236}">
+                <a16:creationId xmlns:a16="http://schemas.microsoft.com/office/drawing/2014/main" id="{5F300CBF-401B-B115-4C0C-E313EE23EFDA}"/>
+              </a:ext>
+            </a:extLst>
+          </p:cNvPr>
+          <p:cNvSpPr>
+            <a:spLocks noGrp="1"/>
+          </p:cNvSpPr>
+          <p:nvPr>
+            <p:ph type="sldNum" sz="quarter" idx="10"/>
+          </p:nvPr>
+        </p:nvSpPr>
+        <p:spPr/>
+        <p:txBody>
+          <a:bodyPr/>
+          <a:lstStyle/>
+          <a:p>
+            <a:fld id="{48F63A3B-78C7-47BE-AE5E-E10140E04643}" type="slidenum">
+              <a:rPr lang="en-US" smtClean="0"/>
+              <a:pPr/>
+              <a:t>7</a:t>
+            </a:fld>
+            <a:endParaRPr lang="en-US" dirty="0"/>
+          </a:p>
+        </p:txBody>
+      </p:sp>
+      <p:pic>
+        <p:nvPicPr>
+          <p:cNvPr id="4098" name="Picture 2" descr="What is message switching? - Quora">
+            <a:extLst>
+              <a:ext uri="{FF2B5EF4-FFF2-40B4-BE49-F238E27FC236}">
+                <a16:creationId xmlns:a16="http://schemas.microsoft.com/office/drawing/2014/main" id="{3191B76D-8078-C2E2-96C1-CEFD6BC8A21C}"/>
+              </a:ext>
+            </a:extLst>
+          </p:cNvPr>
+          <p:cNvPicPr>
+            <a:picLocks noChangeAspect="1" noChangeArrowheads="1"/>
+          </p:cNvPicPr>
+          <p:nvPr/>
+        </p:nvPicPr>
+        <p:blipFill>
+          <a:blip r:embed="rId2">
+            <a:extLst>
+              <a:ext uri="{28A0092B-C50C-407E-A947-70E740481C1C}">
+                <a14:useLocalDpi xmlns:a14="http://schemas.microsoft.com/office/drawing/2010/main" val="0"/>
+              </a:ext>
+            </a:extLst>
+          </a:blip>
+          <a:srcRect/>
+          <a:stretch>
+            <a:fillRect/>
+          </a:stretch>
+        </p:blipFill>
+        <p:spPr bwMode="auto">
+          <a:xfrm>
+            <a:off x="596900" y="367136"/>
+            <a:ext cx="7964489" cy="5968872"/>
+          </a:xfrm>
+          <a:prstGeom prst="rect">
+            <a:avLst/>
+          </a:prstGeom>
+          <a:noFill/>
+          <a:extLst>
+            <a:ext uri="{909E8E84-426E-40DD-AFC4-6F175D3DCCD1}">
+              <a14:hiddenFill xmlns:a14="http://schemas.microsoft.com/office/drawing/2010/main">
+                <a:solidFill>
+                  <a:srgbClr val="FFFFFF"/>
+                </a:solidFill>
+              </a14:hiddenFill>
+            </a:ext>
+          </a:extLst>
+        </p:spPr>
+      </p:pic>
+    </p:spTree>
+    <p:extLst>
+      <p:ext uri="{BB962C8B-B14F-4D97-AF65-F5344CB8AC3E}">
+        <p14:creationId xmlns:p14="http://schemas.microsoft.com/office/powerpoint/2010/main" val="3036111125"/>
+      </p:ext>
+    </p:extLst>
+  </p:cSld>
+  <p:clrMapOvr>
+    <a:masterClrMapping/>
+  </p:clrMapOvr>
+</p:sld>
+</file>
+
+<file path=ppt/slides/slide8.xml><?xml version="1.0" encoding="utf-8"?>
+<p:sld xmlns:a="http://schemas.openxmlformats.org/drawingml/2006/main" xmlns:r="http://schemas.openxmlformats.org/officeDocument/2006/relationships" xmlns:p="http://schemas.openxmlformats.org/presentationml/2006/main">
+  <p:cSld>
+    <p:spTree>
+      <p:nvGrpSpPr>
+        <p:cNvPr id="1" name=""/>
+        <p:cNvGrpSpPr/>
+        <p:nvPr/>
+      </p:nvGrpSpPr>
+      <p:grpSpPr>
+        <a:xfrm>
+          <a:off x="0" y="0"/>
+          <a:ext cx="0" cy="0"/>
+          <a:chOff x="0" y="0"/>
+          <a:chExt cx="0" cy="0"/>
+        </a:xfrm>
+      </p:grpSpPr>
+      <p:sp>
+        <p:nvSpPr>
+          <p:cNvPr id="3" name="Title 2">
+            <a:extLst>
+              <a:ext uri="{FF2B5EF4-FFF2-40B4-BE49-F238E27FC236}">
+                <a16:creationId xmlns:a16="http://schemas.microsoft.com/office/drawing/2014/main" id="{3D55F2D4-C20E-BEBC-1CCF-4449B0456A7E}"/>
+              </a:ext>
+            </a:extLst>
+          </p:cNvPr>
+          <p:cNvSpPr>
+            <a:spLocks noGrp="1"/>
+          </p:cNvSpPr>
+          <p:nvPr>
+            <p:ph type="title"/>
+          </p:nvPr>
+        </p:nvSpPr>
+        <p:spPr>
+          <a:xfrm>
+            <a:off x="1306286" y="457199"/>
+            <a:ext cx="7631709" cy="1091627"/>
+          </a:xfrm>
+        </p:spPr>
+        <p:txBody>
+          <a:bodyPr/>
+          <a:lstStyle/>
+          <a:p>
+            <a:r>
+              <a:rPr lang="en-US" dirty="0"/>
+              <a:t>Packet Switching</a:t>
+            </a:r>
+          </a:p>
+        </p:txBody>
+      </p:sp>
+      <p:sp>
+        <p:nvSpPr>
+          <p:cNvPr id="14" name="Content Placeholder 7">
+            <a:extLst>
+              <a:ext uri="{FF2B5EF4-FFF2-40B4-BE49-F238E27FC236}">
+                <a16:creationId xmlns:a16="http://schemas.microsoft.com/office/drawing/2014/main" id="{749C7CD1-A9AA-49E3-6734-AD9546F2DF5B}"/>
+              </a:ext>
+            </a:extLst>
+          </p:cNvPr>
+          <p:cNvSpPr>
+            <a:spLocks noGrp="1"/>
+          </p:cNvSpPr>
+          <p:nvPr>
+            <p:ph sz="half" idx="15"/>
+          </p:nvPr>
+        </p:nvSpPr>
+        <p:spPr>
+          <a:xfrm>
+            <a:off x="914399" y="1676400"/>
+            <a:ext cx="10003971" cy="4770439"/>
+          </a:xfrm>
+        </p:spPr>
+        <p:txBody>
+          <a:bodyPr>
+            <a:normAutofit/>
+          </a:bodyPr>
+          <a:lstStyle/>
+          <a:p>
+            <a:pPr marL="0" indent="0">
+              <a:buNone/>
+            </a:pPr>
+            <a:r>
+              <a:rPr lang="en-US" dirty="0"/>
+              <a:t>Packet switching breaks down data into smaller packets that are transmitted independently over the network. Each packet may take a different route to reach the destination.</a:t>
+            </a:r>
+          </a:p>
+          <a:p>
+            <a:pPr marL="0" indent="0">
+              <a:buNone/>
+            </a:pPr>
+            <a:r>
+              <a:rPr lang="en-US" b="1" dirty="0"/>
+              <a:t>Key Features:</a:t>
+            </a:r>
+            <a:endParaRPr lang="en-US" dirty="0"/>
+          </a:p>
+          <a:p>
+            <a:pPr marL="742950" lvl="1" indent="-285750">
+              <a:buFont typeface="Arial" panose="020B0604020202020204" pitchFamily="34" charset="0"/>
+              <a:buChar char="•"/>
+            </a:pPr>
+            <a:r>
+              <a:rPr lang="en-US" b="1" dirty="0"/>
+              <a:t>Dynamic Routing:</a:t>
+            </a:r>
+            <a:r>
+              <a:rPr lang="en-US" dirty="0"/>
+              <a:t> Packets can take the most efficient route based on network conditions, which can vary during the transmission.</a:t>
+            </a:r>
+          </a:p>
+          <a:p>
+            <a:pPr marL="742950" lvl="1" indent="-285750">
+              <a:buFont typeface="Arial" panose="020B0604020202020204" pitchFamily="34" charset="0"/>
+              <a:buChar char="•"/>
+            </a:pPr>
+            <a:r>
+              <a:rPr lang="en-US" b="1" dirty="0"/>
+              <a:t>Support for Various Data Types:</a:t>
+            </a:r>
+            <a:r>
+              <a:rPr lang="en-US" dirty="0"/>
+              <a:t> Suitable for transmitting different types of data (e.g., text, voice, video) efficiently.</a:t>
+            </a:r>
+          </a:p>
+          <a:p>
+            <a:pPr marL="0" indent="0">
+              <a:buNone/>
+            </a:pPr>
+            <a:r>
+              <a:rPr lang="en-US" b="1" dirty="0"/>
+              <a:t>Example:</a:t>
+            </a:r>
+            <a:endParaRPr lang="en-US" dirty="0"/>
+          </a:p>
+          <a:p>
+            <a:pPr marL="742950" lvl="1" indent="-285750">
+              <a:buFont typeface="Arial" panose="020B0604020202020204" pitchFamily="34" charset="0"/>
+              <a:buChar char="•"/>
+            </a:pPr>
+            <a:r>
+              <a:rPr lang="en-US" b="1" dirty="0"/>
+              <a:t>Internet Data Transmission:</a:t>
+            </a:r>
+            <a:r>
+              <a:rPr lang="en-US" dirty="0"/>
+              <a:t> Web browsing, video streaming, and online gaming rely on packet switching, where data is split into packets that travel across the internet via different routes before being reassembled at the destination.</a:t>
+            </a:r>
+          </a:p>
+        </p:txBody>
+      </p:sp>
+      <p:sp>
+        <p:nvSpPr>
+          <p:cNvPr id="4" name="Slide Number Placeholder 3">
+            <a:extLst>
+              <a:ext uri="{FF2B5EF4-FFF2-40B4-BE49-F238E27FC236}">
+                <a16:creationId xmlns:a16="http://schemas.microsoft.com/office/drawing/2014/main" id="{C82CE1B8-1C92-D6D2-444B-652DB90E86D1}"/>
+              </a:ext>
+            </a:extLst>
+          </p:cNvPr>
+          <p:cNvSpPr>
+            <a:spLocks noGrp="1"/>
+          </p:cNvSpPr>
+          <p:nvPr>
+            <p:ph type="sldNum" sz="quarter" idx="10"/>
+          </p:nvPr>
+        </p:nvSpPr>
+        <p:spPr>
+          <a:xfrm>
+            <a:off x="10358437" y="457199"/>
+            <a:ext cx="1067589" cy="471489"/>
+          </a:xfrm>
+        </p:spPr>
+        <p:txBody>
+          <a:bodyPr/>
+          <a:lstStyle/>
+          <a:p>
+            <a:fld id="{48F63A3B-78C7-47BE-AE5E-E10140E04643}" type="slidenum">
+              <a:rPr lang="en-US" smtClean="0"/>
+              <a:pPr/>
+              <a:t>8</a:t>
+            </a:fld>
+            <a:endParaRPr lang="en-US" dirty="0"/>
+          </a:p>
+        </p:txBody>
+      </p:sp>
+    </p:spTree>
+    <p:extLst>
+      <p:ext uri="{BB962C8B-B14F-4D97-AF65-F5344CB8AC3E}">
+        <p14:creationId xmlns:p14="http://schemas.microsoft.com/office/powerpoint/2010/main" val="1941619646"/>
+      </p:ext>
+    </p:extLst>
+  </p:cSld>
+  <p:clrMapOvr>
+    <a:masterClrMapping/>
+  </p:clrMapOvr>
+</p:sld>
+</file>
+
+<file path=ppt/slides/slide9.xml><?xml version="1.0" encoding="utf-8"?>
+<p:sld xmlns:a="http://schemas.openxmlformats.org/drawingml/2006/main" xmlns:r="http://schemas.openxmlformats.org/officeDocument/2006/relationships" xmlns:p="http://schemas.openxmlformats.org/presentationml/2006/main">
+  <p:cSld>
+    <p:spTree>
+      <p:nvGrpSpPr>
+        <p:cNvPr id="1" name=""/>
+        <p:cNvGrpSpPr/>
+        <p:nvPr/>
+      </p:nvGrpSpPr>
+      <p:grpSpPr>
+        <a:xfrm>
+          <a:off x="0" y="0"/>
+          <a:ext cx="0" cy="0"/>
+          <a:chOff x="0" y="0"/>
+          <a:chExt cx="0" cy="0"/>
+        </a:xfrm>
+      </p:grpSpPr>
+      <p:sp>
+        <p:nvSpPr>
+          <p:cNvPr id="6" name="Slide Number Placeholder 5">
+            <a:extLst>
+              <a:ext uri="{FF2B5EF4-FFF2-40B4-BE49-F238E27FC236}">
+                <a16:creationId xmlns:a16="http://schemas.microsoft.com/office/drawing/2014/main" id="{6B5E573C-ECD0-3740-BD91-4596B716697B}"/>
+              </a:ext>
+            </a:extLst>
+          </p:cNvPr>
+          <p:cNvSpPr>
+            <a:spLocks noGrp="1"/>
+          </p:cNvSpPr>
+          <p:nvPr>
+            <p:ph type="sldNum" sz="quarter" idx="10"/>
+          </p:nvPr>
+        </p:nvSpPr>
+        <p:spPr/>
+        <p:txBody>
+          <a:bodyPr/>
+          <a:lstStyle/>
+          <a:p>
+            <a:fld id="{48F63A3B-78C7-47BE-AE5E-E10140E04643}" type="slidenum">
+              <a:rPr lang="en-US" smtClean="0"/>
+              <a:pPr/>
+              <a:t>9</a:t>
+            </a:fld>
+            <a:endParaRPr lang="en-US" dirty="0"/>
+          </a:p>
+        </p:txBody>
+      </p:sp>
+      <p:pic>
+        <p:nvPicPr>
+          <p:cNvPr id="5122" name="Picture 2" descr="Understanding Packet switching. Does ...">
+            <a:extLst>
+              <a:ext uri="{FF2B5EF4-FFF2-40B4-BE49-F238E27FC236}">
+                <a16:creationId xmlns:a16="http://schemas.microsoft.com/office/drawing/2014/main" id="{C419C60D-2951-CD99-A616-64A52B92E784}"/>
+              </a:ext>
+            </a:extLst>
+          </p:cNvPr>
+          <p:cNvPicPr>
+            <a:picLocks noChangeAspect="1" noChangeArrowheads="1"/>
+          </p:cNvPicPr>
+          <p:nvPr/>
+        </p:nvPicPr>
+        <p:blipFill>
+          <a:blip r:embed="rId2">
+            <a:extLst>
+              <a:ext uri="{28A0092B-C50C-407E-A947-70E740481C1C}">
+                <a14:useLocalDpi xmlns:a14="http://schemas.microsoft.com/office/drawing/2010/main" val="0"/>
+              </a:ext>
+            </a:extLst>
+          </a:blip>
+          <a:srcRect/>
+          <a:stretch>
+            <a:fillRect/>
+          </a:stretch>
+        </p:blipFill>
+        <p:spPr bwMode="auto">
+          <a:xfrm>
+            <a:off x="863601" y="692943"/>
+            <a:ext cx="9937198" cy="5887449"/>
+          </a:xfrm>
+          <a:prstGeom prst="rect">
+            <a:avLst/>
+          </a:prstGeom>
+          <a:noFill/>
+          <a:extLst>
+            <a:ext uri="{909E8E84-426E-40DD-AFC4-6F175D3DCCD1}">
+              <a14:hiddenFill xmlns:a14="http://schemas.microsoft.com/office/drawing/2010/main">
+                <a:solidFill>
+                  <a:srgbClr val="FFFFFF"/>
+                </a:solidFill>
+              </a14:hiddenFill>
+            </a:ext>
+          </a:extLst>
+        </p:spPr>
+      </p:pic>
+    </p:spTree>
+    <p:extLst>
+      <p:ext uri="{BB962C8B-B14F-4D97-AF65-F5344CB8AC3E}">
+        <p14:creationId xmlns:p14="http://schemas.microsoft.com/office/powerpoint/2010/main" val="2292928126"/>
       </p:ext>
     </p:extLst>
   </p:cSld>
@@ -20267,35 +20977,6 @@
 </file>
 
 <file path=customXml/item1.xml><?xml version="1.0" encoding="utf-8"?>
-<p:properties xmlns:p="http://schemas.microsoft.com/office/2006/metadata/properties" xmlns:xsi="http://www.w3.org/2001/XMLSchema-instance" xmlns:pc="http://schemas.microsoft.com/office/infopath/2007/PartnerControls">
-  <documentManagement>
-    <_ip_UnifiedCompliancePolicyUIAction xmlns="http://schemas.microsoft.com/sharepoint/v3" xsi:nil="true"/>
-    <Image xmlns="71af3243-3dd4-4a8d-8c0d-dd76da1f02a5">
-      <Url xsi:nil="true"/>
-      <Description xsi:nil="true"/>
-    </Image>
-    <Status xmlns="71af3243-3dd4-4a8d-8c0d-dd76da1f02a5">Not started</Status>
-    <Background xmlns="71af3243-3dd4-4a8d-8c0d-dd76da1f02a5">false</Background>
-    <_ip_UnifiedCompliancePolicyProperties xmlns="http://schemas.microsoft.com/sharepoint/v3" xsi:nil="true"/>
-    <ImageTagsTaxHTField xmlns="71af3243-3dd4-4a8d-8c0d-dd76da1f02a5">
-      <Terms xmlns="http://schemas.microsoft.com/office/infopath/2007/PartnerControls"/>
-    </ImageTagsTaxHTField>
-    <TaxCatchAll xmlns="230e9df3-be65-4c73-a93b-d1236ebd677e" xsi:nil="true"/>
-    <MediaServiceKeyPoints xmlns="71af3243-3dd4-4a8d-8c0d-dd76da1f02a5" xsi:nil="true"/>
-  </documentManagement>
-</p:properties>
-</file>
-
-<file path=customXml/item2.xml><?xml version="1.0" encoding="utf-8"?>
-<?mso-contentType ?>
-<FormTemplates xmlns="http://schemas.microsoft.com/sharepoint/v3/contenttype/forms">
-  <Display>DocumentLibraryForm</Display>
-  <Edit>DocumentLibraryForm</Edit>
-  <New>DocumentLibraryForm</New>
-</FormTemplates>
-</file>
-
-<file path=customXml/item3.xml><?xml version="1.0" encoding="utf-8"?>
 <ct:contentTypeSchema xmlns:ct="http://schemas.microsoft.com/office/2006/metadata/contentType" xmlns:ma="http://schemas.microsoft.com/office/2006/metadata/properties/metaAttributes" ct:_="" ma:_="" ma:contentTypeName="Document" ma:contentTypeID="0x01010079F111ED35F8CC479449609E8A0923A6" ma:contentTypeVersion="28" ma:contentTypeDescription="Create a new document." ma:contentTypeScope="" ma:versionID="60f5a4f2d2b0abadcf532d48ebf9cb71">
   <xsd:schema xmlns:xsd="http://www.w3.org/2001/XMLSchema" xmlns:xs="http://www.w3.org/2001/XMLSchema" xmlns:p="http://schemas.microsoft.com/office/2006/metadata/properties" xmlns:ns1="http://schemas.microsoft.com/sharepoint/v3" xmlns:ns2="71af3243-3dd4-4a8d-8c0d-dd76da1f02a5" xmlns:ns3="16c05727-aa75-4e4a-9b5f-8a80a1165891" xmlns:ns4="230e9df3-be65-4c73-a93b-d1236ebd677e" targetNamespace="http://schemas.microsoft.com/office/2006/metadata/properties" ma:root="true" ma:fieldsID="7dd78129e6a1811f84807ad11c651531" ns1:_="" ns2:_="" ns3:_="" ns4:_="">
     <xsd:import namespace="http://schemas.microsoft.com/sharepoint/v3"/>
@@ -20607,27 +21288,36 @@
 </ct:contentTypeSchema>
 </file>
 
-<file path=customXml/itemProps1.xml><?xml version="1.0" encoding="utf-8"?>
-<ds:datastoreItem xmlns:ds="http://schemas.openxmlformats.org/officeDocument/2006/customXml" ds:itemID="{BA719FA4-954C-4FA8-82CB-206659C3B826}">
-  <ds:schemaRefs>
-    <ds:schemaRef ds:uri="http://schemas.microsoft.com/office/2006/metadata/properties"/>
-    <ds:schemaRef ds:uri="http://schemas.microsoft.com/office/infopath/2007/PartnerControls"/>
-    <ds:schemaRef ds:uri="http://schemas.microsoft.com/sharepoint/v3"/>
-    <ds:schemaRef ds:uri="71af3243-3dd4-4a8d-8c0d-dd76da1f02a5"/>
-    <ds:schemaRef ds:uri="230e9df3-be65-4c73-a93b-d1236ebd677e"/>
-  </ds:schemaRefs>
-</ds:datastoreItem>
+<file path=customXml/item2.xml><?xml version="1.0" encoding="utf-8"?>
+<?mso-contentType ?>
+<FormTemplates xmlns="http://schemas.microsoft.com/sharepoint/v3/contenttype/forms">
+  <Display>DocumentLibraryForm</Display>
+  <Edit>DocumentLibraryForm</Edit>
+  <New>DocumentLibraryForm</New>
+</FormTemplates>
 </file>
 
-<file path=customXml/itemProps2.xml><?xml version="1.0" encoding="utf-8"?>
-<ds:datastoreItem xmlns:ds="http://schemas.openxmlformats.org/officeDocument/2006/customXml" ds:itemID="{16DBB56F-4362-4386-A1A1-3DF898896616}">
-  <ds:schemaRefs>
-    <ds:schemaRef ds:uri="http://schemas.microsoft.com/sharepoint/v3/contenttype/forms"/>
-  </ds:schemaRefs>
-</ds:datastoreItem>
+<file path=customXml/item3.xml><?xml version="1.0" encoding="utf-8"?>
+<p:properties xmlns:p="http://schemas.microsoft.com/office/2006/metadata/properties" xmlns:xsi="http://www.w3.org/2001/XMLSchema-instance" xmlns:pc="http://schemas.microsoft.com/office/infopath/2007/PartnerControls">
+  <documentManagement>
+    <_ip_UnifiedCompliancePolicyUIAction xmlns="http://schemas.microsoft.com/sharepoint/v3" xsi:nil="true"/>
+    <Image xmlns="71af3243-3dd4-4a8d-8c0d-dd76da1f02a5">
+      <Url xsi:nil="true"/>
+      <Description xsi:nil="true"/>
+    </Image>
+    <Status xmlns="71af3243-3dd4-4a8d-8c0d-dd76da1f02a5">Not started</Status>
+    <Background xmlns="71af3243-3dd4-4a8d-8c0d-dd76da1f02a5">false</Background>
+    <_ip_UnifiedCompliancePolicyProperties xmlns="http://schemas.microsoft.com/sharepoint/v3" xsi:nil="true"/>
+    <ImageTagsTaxHTField xmlns="71af3243-3dd4-4a8d-8c0d-dd76da1f02a5">
+      <Terms xmlns="http://schemas.microsoft.com/office/infopath/2007/PartnerControls"/>
+    </ImageTagsTaxHTField>
+    <TaxCatchAll xmlns="230e9df3-be65-4c73-a93b-d1236ebd677e" xsi:nil="true"/>
+    <MediaServiceKeyPoints xmlns="71af3243-3dd4-4a8d-8c0d-dd76da1f02a5" xsi:nil="true"/>
+  </documentManagement>
+</p:properties>
 </file>
 
-<file path=customXml/itemProps3.xml><?xml version="1.0" encoding="utf-8"?>
+<file path=customXml/itemProps1.xml><?xml version="1.0" encoding="utf-8"?>
 <ds:datastoreItem xmlns:ds="http://schemas.openxmlformats.org/officeDocument/2006/customXml" ds:itemID="{04948363-B267-4BAC-8655-100FBEC280C1}">
   <ds:schemaRefs>
     <ds:schemaRef ds:uri="http://schemas.microsoft.com/office/2006/metadata/contentType"/>
@@ -20648,6 +21338,26 @@
 </ds:datastoreItem>
 </file>
 
+<file path=customXml/itemProps2.xml><?xml version="1.0" encoding="utf-8"?>
+<ds:datastoreItem xmlns:ds="http://schemas.openxmlformats.org/officeDocument/2006/customXml" ds:itemID="{16DBB56F-4362-4386-A1A1-3DF898896616}">
+  <ds:schemaRefs>
+    <ds:schemaRef ds:uri="http://schemas.microsoft.com/sharepoint/v3/contenttype/forms"/>
+  </ds:schemaRefs>
+</ds:datastoreItem>
+</file>
+
+<file path=customXml/itemProps3.xml><?xml version="1.0" encoding="utf-8"?>
+<ds:datastoreItem xmlns:ds="http://schemas.openxmlformats.org/officeDocument/2006/customXml" ds:itemID="{BA719FA4-954C-4FA8-82CB-206659C3B826}">
+  <ds:schemaRefs>
+    <ds:schemaRef ds:uri="http://schemas.microsoft.com/office/2006/metadata/properties"/>
+    <ds:schemaRef ds:uri="http://schemas.microsoft.com/office/infopath/2007/PartnerControls"/>
+    <ds:schemaRef ds:uri="http://schemas.microsoft.com/sharepoint/v3"/>
+    <ds:schemaRef ds:uri="71af3243-3dd4-4a8d-8c0d-dd76da1f02a5"/>
+    <ds:schemaRef ds:uri="230e9df3-be65-4c73-a93b-d1236ebd677e"/>
+  </ds:schemaRefs>
+</ds:datastoreItem>
+</file>
+
 <file path=docMetadata/LabelInfo.xml><?xml version="1.0" encoding="utf-8"?>
 <clbl:labelList xmlns:clbl="http://schemas.microsoft.com/office/2020/mipLabelMetadata"/>
 </file>